--- a/2DOF_Workspace.pptx
+++ b/2DOF_Workspace.pptx
@@ -2,22 +2,19 @@
 <file path=ppt/presentation.xml><?xml version="1.0" encoding="utf-8"?>
 <p:presentation xmlns:a="http://schemas.openxmlformats.org/drawingml/2006/main" xmlns:r="http://schemas.openxmlformats.org/officeDocument/2006/relationships" xmlns:p="http://schemas.openxmlformats.org/presentationml/2006/main" saveSubsetFonts="1">
   <p:sldMasterIdLst>
-    <p:sldMasterId id="2147483660" r:id="rId1"/>
+    <p:sldMasterId id="2147483648" r:id="rId1"/>
   </p:sldMasterIdLst>
-  <p:notesMasterIdLst>
-    <p:notesMasterId r:id="rId3"/>
-  </p:notesMasterIdLst>
   <p:sldIdLst>
-    <p:sldId id="599" r:id="rId2"/>
+    <p:sldId id="256" r:id="rId2"/>
   </p:sldIdLst>
-  <p:sldSz cx="9144000" cy="6858000" type="screen4x3"/>
+  <p:sldSz cx="5400675" cy="5400675"/>
   <p:notesSz cx="6858000" cy="9144000"/>
   <p:defaultTextStyle>
     <a:defPPr>
       <a:defRPr lang="ko-KR"/>
     </a:defPPr>
-    <a:lvl1pPr marL="0" algn="l" defTabSz="914400" rtl="0" eaLnBrk="1" latinLnBrk="1" hangingPunct="1">
-      <a:defRPr sz="1800" kern="1200">
+    <a:lvl1pPr marL="0" algn="l" defTabSz="617220" rtl="0" eaLnBrk="1" latinLnBrk="1" hangingPunct="1">
+      <a:defRPr sz="1200" kern="1200">
         <a:solidFill>
           <a:schemeClr val="tx1"/>
         </a:solidFill>
@@ -26,8 +23,8 @@
         <a:cs typeface="+mn-cs"/>
       </a:defRPr>
     </a:lvl1pPr>
-    <a:lvl2pPr marL="457200" algn="l" defTabSz="914400" rtl="0" eaLnBrk="1" latinLnBrk="1" hangingPunct="1">
-      <a:defRPr sz="1800" kern="1200">
+    <a:lvl2pPr marL="308610" algn="l" defTabSz="617220" rtl="0" eaLnBrk="1" latinLnBrk="1" hangingPunct="1">
+      <a:defRPr sz="1200" kern="1200">
         <a:solidFill>
           <a:schemeClr val="tx1"/>
         </a:solidFill>
@@ -36,8 +33,8 @@
         <a:cs typeface="+mn-cs"/>
       </a:defRPr>
     </a:lvl2pPr>
-    <a:lvl3pPr marL="914400" algn="l" defTabSz="914400" rtl="0" eaLnBrk="1" latinLnBrk="1" hangingPunct="1">
-      <a:defRPr sz="1800" kern="1200">
+    <a:lvl3pPr marL="617220" algn="l" defTabSz="617220" rtl="0" eaLnBrk="1" latinLnBrk="1" hangingPunct="1">
+      <a:defRPr sz="1200" kern="1200">
         <a:solidFill>
           <a:schemeClr val="tx1"/>
         </a:solidFill>
@@ -46,8 +43,8 @@
         <a:cs typeface="+mn-cs"/>
       </a:defRPr>
     </a:lvl3pPr>
-    <a:lvl4pPr marL="1371600" algn="l" defTabSz="914400" rtl="0" eaLnBrk="1" latinLnBrk="1" hangingPunct="1">
-      <a:defRPr sz="1800" kern="1200">
+    <a:lvl4pPr marL="925830" algn="l" defTabSz="617220" rtl="0" eaLnBrk="1" latinLnBrk="1" hangingPunct="1">
+      <a:defRPr sz="1200" kern="1200">
         <a:solidFill>
           <a:schemeClr val="tx1"/>
         </a:solidFill>
@@ -56,8 +53,8 @@
         <a:cs typeface="+mn-cs"/>
       </a:defRPr>
     </a:lvl4pPr>
-    <a:lvl5pPr marL="1828800" algn="l" defTabSz="914400" rtl="0" eaLnBrk="1" latinLnBrk="1" hangingPunct="1">
-      <a:defRPr sz="1800" kern="1200">
+    <a:lvl5pPr marL="1234440" algn="l" defTabSz="617220" rtl="0" eaLnBrk="1" latinLnBrk="1" hangingPunct="1">
+      <a:defRPr sz="1200" kern="1200">
         <a:solidFill>
           <a:schemeClr val="tx1"/>
         </a:solidFill>
@@ -66,8 +63,8 @@
         <a:cs typeface="+mn-cs"/>
       </a:defRPr>
     </a:lvl5pPr>
-    <a:lvl6pPr marL="2286000" algn="l" defTabSz="914400" rtl="0" eaLnBrk="1" latinLnBrk="1" hangingPunct="1">
-      <a:defRPr sz="1800" kern="1200">
+    <a:lvl6pPr marL="1543050" algn="l" defTabSz="617220" rtl="0" eaLnBrk="1" latinLnBrk="1" hangingPunct="1">
+      <a:defRPr sz="1200" kern="1200">
         <a:solidFill>
           <a:schemeClr val="tx1"/>
         </a:solidFill>
@@ -76,8 +73,8 @@
         <a:cs typeface="+mn-cs"/>
       </a:defRPr>
     </a:lvl6pPr>
-    <a:lvl7pPr marL="2743200" algn="l" defTabSz="914400" rtl="0" eaLnBrk="1" latinLnBrk="1" hangingPunct="1">
-      <a:defRPr sz="1800" kern="1200">
+    <a:lvl7pPr marL="1851660" algn="l" defTabSz="617220" rtl="0" eaLnBrk="1" latinLnBrk="1" hangingPunct="1">
+      <a:defRPr sz="1200" kern="1200">
         <a:solidFill>
           <a:schemeClr val="tx1"/>
         </a:solidFill>
@@ -86,8 +83,8 @@
         <a:cs typeface="+mn-cs"/>
       </a:defRPr>
     </a:lvl7pPr>
-    <a:lvl8pPr marL="3200400" algn="l" defTabSz="914400" rtl="0" eaLnBrk="1" latinLnBrk="1" hangingPunct="1">
-      <a:defRPr sz="1800" kern="1200">
+    <a:lvl8pPr marL="2160270" algn="l" defTabSz="617220" rtl="0" eaLnBrk="1" latinLnBrk="1" hangingPunct="1">
+      <a:defRPr sz="1200" kern="1200">
         <a:solidFill>
           <a:schemeClr val="tx1"/>
         </a:solidFill>
@@ -96,8 +93,8 @@
         <a:cs typeface="+mn-cs"/>
       </a:defRPr>
     </a:lvl8pPr>
-    <a:lvl9pPr marL="3657600" algn="l" defTabSz="914400" rtl="0" eaLnBrk="1" latinLnBrk="1" hangingPunct="1">
-      <a:defRPr sz="1800" kern="1200">
+    <a:lvl9pPr marL="2468880" algn="l" defTabSz="617220" rtl="0" eaLnBrk="1" latinLnBrk="1" hangingPunct="1">
+      <a:defRPr sz="1200" kern="1200">
         <a:solidFill>
           <a:schemeClr val="tx1"/>
         </a:solidFill>
@@ -108,355 +105,6 @@
     </a:lvl9pPr>
   </p:defaultTextStyle>
 </p:presentation>
-</file>
-
-<file path=ppt/notesMasters/notesMaster1.xml><?xml version="1.0" encoding="utf-8"?>
-<p:notesMaster xmlns:a="http://schemas.openxmlformats.org/drawingml/2006/main" xmlns:r="http://schemas.openxmlformats.org/officeDocument/2006/relationships" xmlns:p="http://schemas.openxmlformats.org/presentationml/2006/main">
-  <p:cSld>
-    <p:bg>
-      <p:bgRef idx="1001">
-        <a:schemeClr val="bg1"/>
-      </p:bgRef>
-    </p:bg>
-    <p:spTree>
-      <p:nvGrpSpPr>
-        <p:cNvPr id="1" name=""/>
-        <p:cNvGrpSpPr/>
-        <p:nvPr/>
-      </p:nvGrpSpPr>
-      <p:grpSpPr>
-        <a:xfrm>
-          <a:off x="0" y="0"/>
-          <a:ext cx="0" cy="0"/>
-          <a:chOff x="0" y="0"/>
-          <a:chExt cx="0" cy="0"/>
-        </a:xfrm>
-      </p:grpSpPr>
-      <p:sp>
-        <p:nvSpPr>
-          <p:cNvPr id="2" name="머리글 개체 틀 1"/>
-          <p:cNvSpPr>
-            <a:spLocks noGrp="1"/>
-          </p:cNvSpPr>
-          <p:nvPr>
-            <p:ph type="hdr" sz="quarter"/>
-          </p:nvPr>
-        </p:nvSpPr>
-        <p:spPr>
-          <a:xfrm>
-            <a:off x="0" y="0"/>
-            <a:ext cx="2971800" cy="457200"/>
-          </a:xfrm>
-          <a:prstGeom prst="rect">
-            <a:avLst/>
-          </a:prstGeom>
-        </p:spPr>
-        <p:txBody>
-          <a:bodyPr vert="horz" lIns="91440" tIns="45720" rIns="91440" bIns="45720" rtlCol="0"/>
-          <a:lstStyle>
-            <a:lvl1pPr algn="l">
-              <a:defRPr sz="1200"/>
-            </a:lvl1pPr>
-          </a:lstStyle>
-          <a:p>
-            <a:endParaRPr lang="ko-KR" altLang="en-US"/>
-          </a:p>
-        </p:txBody>
-      </p:sp>
-      <p:sp>
-        <p:nvSpPr>
-          <p:cNvPr id="3" name="날짜 개체 틀 2"/>
-          <p:cNvSpPr>
-            <a:spLocks noGrp="1"/>
-          </p:cNvSpPr>
-          <p:nvPr>
-            <p:ph type="dt" idx="1"/>
-          </p:nvPr>
-        </p:nvSpPr>
-        <p:spPr>
-          <a:xfrm>
-            <a:off x="3884613" y="0"/>
-            <a:ext cx="2971800" cy="457200"/>
-          </a:xfrm>
-          <a:prstGeom prst="rect">
-            <a:avLst/>
-          </a:prstGeom>
-        </p:spPr>
-        <p:txBody>
-          <a:bodyPr vert="horz" lIns="91440" tIns="45720" rIns="91440" bIns="45720" rtlCol="0"/>
-          <a:lstStyle>
-            <a:lvl1pPr algn="r">
-              <a:defRPr sz="1200"/>
-            </a:lvl1pPr>
-          </a:lstStyle>
-          <a:p>
-            <a:fld id="{0D79234C-CDB0-47DC-AF41-E1C394DD29C9}" type="datetimeFigureOut">
-              <a:rPr lang="ko-KR" altLang="en-US" smtClean="0"/>
-              <a:pPr/>
-              <a:t>2023-03-30</a:t>
-            </a:fld>
-            <a:endParaRPr lang="ko-KR" altLang="en-US"/>
-          </a:p>
-        </p:txBody>
-      </p:sp>
-      <p:sp>
-        <p:nvSpPr>
-          <p:cNvPr id="4" name="슬라이드 이미지 개체 틀 3"/>
-          <p:cNvSpPr>
-            <a:spLocks noGrp="1" noRot="1" noChangeAspect="1"/>
-          </p:cNvSpPr>
-          <p:nvPr>
-            <p:ph type="sldImg" idx="2"/>
-          </p:nvPr>
-        </p:nvSpPr>
-        <p:spPr>
-          <a:xfrm>
-            <a:off x="1143000" y="685800"/>
-            <a:ext cx="4572000" cy="3429000"/>
-          </a:xfrm>
-          <a:prstGeom prst="rect">
-            <a:avLst/>
-          </a:prstGeom>
-          <a:noFill/>
-          <a:ln w="12700">
-            <a:solidFill>
-              <a:prstClr val="black"/>
-            </a:solidFill>
-          </a:ln>
-        </p:spPr>
-        <p:txBody>
-          <a:bodyPr vert="horz" lIns="91440" tIns="45720" rIns="91440" bIns="45720" rtlCol="0" anchor="ctr"/>
-          <a:lstStyle/>
-          <a:p>
-            <a:endParaRPr lang="ko-KR" altLang="en-US"/>
-          </a:p>
-        </p:txBody>
-      </p:sp>
-      <p:sp>
-        <p:nvSpPr>
-          <p:cNvPr id="5" name="슬라이드 노트 개체 틀 4"/>
-          <p:cNvSpPr>
-            <a:spLocks noGrp="1"/>
-          </p:cNvSpPr>
-          <p:nvPr>
-            <p:ph type="body" sz="quarter" idx="3"/>
-          </p:nvPr>
-        </p:nvSpPr>
-        <p:spPr>
-          <a:xfrm>
-            <a:off x="685800" y="4343400"/>
-            <a:ext cx="5486400" cy="4114800"/>
-          </a:xfrm>
-          <a:prstGeom prst="rect">
-            <a:avLst/>
-          </a:prstGeom>
-        </p:spPr>
-        <p:txBody>
-          <a:bodyPr vert="horz" lIns="91440" tIns="45720" rIns="91440" bIns="45720" rtlCol="0">
-            <a:normAutofit/>
-          </a:bodyPr>
-          <a:lstStyle/>
-          <a:p>
-            <a:pPr lvl="0"/>
-            <a:r>
-              <a:rPr lang="ko-KR" altLang="en-US" smtClean="0"/>
-              <a:t>마스터 텍스트 스타일을 편집합니다</a:t>
-            </a:r>
-          </a:p>
-          <a:p>
-            <a:pPr lvl="1"/>
-            <a:r>
-              <a:rPr lang="ko-KR" altLang="en-US" smtClean="0"/>
-              <a:t>둘째 수준</a:t>
-            </a:r>
-          </a:p>
-          <a:p>
-            <a:pPr lvl="2"/>
-            <a:r>
-              <a:rPr lang="ko-KR" altLang="en-US" smtClean="0"/>
-              <a:t>셋째 수준</a:t>
-            </a:r>
-          </a:p>
-          <a:p>
-            <a:pPr lvl="3"/>
-            <a:r>
-              <a:rPr lang="ko-KR" altLang="en-US" smtClean="0"/>
-              <a:t>넷째 수준</a:t>
-            </a:r>
-          </a:p>
-          <a:p>
-            <a:pPr lvl="4"/>
-            <a:r>
-              <a:rPr lang="ko-KR" altLang="en-US" smtClean="0"/>
-              <a:t>다섯째 수준</a:t>
-            </a:r>
-            <a:endParaRPr lang="ko-KR" altLang="en-US"/>
-          </a:p>
-        </p:txBody>
-      </p:sp>
-      <p:sp>
-        <p:nvSpPr>
-          <p:cNvPr id="6" name="바닥글 개체 틀 5"/>
-          <p:cNvSpPr>
-            <a:spLocks noGrp="1"/>
-          </p:cNvSpPr>
-          <p:nvPr>
-            <p:ph type="ftr" sz="quarter" idx="4"/>
-          </p:nvPr>
-        </p:nvSpPr>
-        <p:spPr>
-          <a:xfrm>
-            <a:off x="0" y="8685213"/>
-            <a:ext cx="2971800" cy="457200"/>
-          </a:xfrm>
-          <a:prstGeom prst="rect">
-            <a:avLst/>
-          </a:prstGeom>
-        </p:spPr>
-        <p:txBody>
-          <a:bodyPr vert="horz" lIns="91440" tIns="45720" rIns="91440" bIns="45720" rtlCol="0" anchor="b"/>
-          <a:lstStyle>
-            <a:lvl1pPr algn="l">
-              <a:defRPr sz="1200"/>
-            </a:lvl1pPr>
-          </a:lstStyle>
-          <a:p>
-            <a:endParaRPr lang="ko-KR" altLang="en-US"/>
-          </a:p>
-        </p:txBody>
-      </p:sp>
-      <p:sp>
-        <p:nvSpPr>
-          <p:cNvPr id="7" name="슬라이드 번호 개체 틀 6"/>
-          <p:cNvSpPr>
-            <a:spLocks noGrp="1"/>
-          </p:cNvSpPr>
-          <p:nvPr>
-            <p:ph type="sldNum" sz="quarter" idx="5"/>
-          </p:nvPr>
-        </p:nvSpPr>
-        <p:spPr>
-          <a:xfrm>
-            <a:off x="3884613" y="8685213"/>
-            <a:ext cx="2971800" cy="457200"/>
-          </a:xfrm>
-          <a:prstGeom prst="rect">
-            <a:avLst/>
-          </a:prstGeom>
-        </p:spPr>
-        <p:txBody>
-          <a:bodyPr vert="horz" lIns="91440" tIns="45720" rIns="91440" bIns="45720" rtlCol="0" anchor="b"/>
-          <a:lstStyle>
-            <a:lvl1pPr algn="r">
-              <a:defRPr sz="1200"/>
-            </a:lvl1pPr>
-          </a:lstStyle>
-          <a:p>
-            <a:fld id="{2B3DD580-8785-4379-9768-2A30D64D3135}" type="slidenum">
-              <a:rPr lang="ko-KR" altLang="en-US" smtClean="0"/>
-              <a:pPr/>
-              <a:t>‹#›</a:t>
-            </a:fld>
-            <a:endParaRPr lang="ko-KR" altLang="en-US"/>
-          </a:p>
-        </p:txBody>
-      </p:sp>
-    </p:spTree>
-  </p:cSld>
-  <p:clrMap bg1="lt1" tx1="dk1" bg2="lt2" tx2="dk2" accent1="accent1" accent2="accent2" accent3="accent3" accent4="accent4" accent5="accent5" accent6="accent6" hlink="hlink" folHlink="folHlink"/>
-  <p:notesStyle>
-    <a:lvl1pPr marL="0" algn="l" defTabSz="914400" rtl="0" eaLnBrk="1" latinLnBrk="1" hangingPunct="1">
-      <a:defRPr sz="1200" kern="1200">
-        <a:solidFill>
-          <a:schemeClr val="tx1"/>
-        </a:solidFill>
-        <a:latin typeface="+mn-lt"/>
-        <a:ea typeface="+mn-ea"/>
-        <a:cs typeface="+mn-cs"/>
-      </a:defRPr>
-    </a:lvl1pPr>
-    <a:lvl2pPr marL="457200" algn="l" defTabSz="914400" rtl="0" eaLnBrk="1" latinLnBrk="1" hangingPunct="1">
-      <a:defRPr sz="1200" kern="1200">
-        <a:solidFill>
-          <a:schemeClr val="tx1"/>
-        </a:solidFill>
-        <a:latin typeface="+mn-lt"/>
-        <a:ea typeface="+mn-ea"/>
-        <a:cs typeface="+mn-cs"/>
-      </a:defRPr>
-    </a:lvl2pPr>
-    <a:lvl3pPr marL="914400" algn="l" defTabSz="914400" rtl="0" eaLnBrk="1" latinLnBrk="1" hangingPunct="1">
-      <a:defRPr sz="1200" kern="1200">
-        <a:solidFill>
-          <a:schemeClr val="tx1"/>
-        </a:solidFill>
-        <a:latin typeface="+mn-lt"/>
-        <a:ea typeface="+mn-ea"/>
-        <a:cs typeface="+mn-cs"/>
-      </a:defRPr>
-    </a:lvl3pPr>
-    <a:lvl4pPr marL="1371600" algn="l" defTabSz="914400" rtl="0" eaLnBrk="1" latinLnBrk="1" hangingPunct="1">
-      <a:defRPr sz="1200" kern="1200">
-        <a:solidFill>
-          <a:schemeClr val="tx1"/>
-        </a:solidFill>
-        <a:latin typeface="+mn-lt"/>
-        <a:ea typeface="+mn-ea"/>
-        <a:cs typeface="+mn-cs"/>
-      </a:defRPr>
-    </a:lvl4pPr>
-    <a:lvl5pPr marL="1828800" algn="l" defTabSz="914400" rtl="0" eaLnBrk="1" latinLnBrk="1" hangingPunct="1">
-      <a:defRPr sz="1200" kern="1200">
-        <a:solidFill>
-          <a:schemeClr val="tx1"/>
-        </a:solidFill>
-        <a:latin typeface="+mn-lt"/>
-        <a:ea typeface="+mn-ea"/>
-        <a:cs typeface="+mn-cs"/>
-      </a:defRPr>
-    </a:lvl5pPr>
-    <a:lvl6pPr marL="2286000" algn="l" defTabSz="914400" rtl="0" eaLnBrk="1" latinLnBrk="1" hangingPunct="1">
-      <a:defRPr sz="1200" kern="1200">
-        <a:solidFill>
-          <a:schemeClr val="tx1"/>
-        </a:solidFill>
-        <a:latin typeface="+mn-lt"/>
-        <a:ea typeface="+mn-ea"/>
-        <a:cs typeface="+mn-cs"/>
-      </a:defRPr>
-    </a:lvl6pPr>
-    <a:lvl7pPr marL="2743200" algn="l" defTabSz="914400" rtl="0" eaLnBrk="1" latinLnBrk="1" hangingPunct="1">
-      <a:defRPr sz="1200" kern="1200">
-        <a:solidFill>
-          <a:schemeClr val="tx1"/>
-        </a:solidFill>
-        <a:latin typeface="+mn-lt"/>
-        <a:ea typeface="+mn-ea"/>
-        <a:cs typeface="+mn-cs"/>
-      </a:defRPr>
-    </a:lvl7pPr>
-    <a:lvl8pPr marL="3200400" algn="l" defTabSz="914400" rtl="0" eaLnBrk="1" latinLnBrk="1" hangingPunct="1">
-      <a:defRPr sz="1200" kern="1200">
-        <a:solidFill>
-          <a:schemeClr val="tx1"/>
-        </a:solidFill>
-        <a:latin typeface="+mn-lt"/>
-        <a:ea typeface="+mn-ea"/>
-        <a:cs typeface="+mn-cs"/>
-      </a:defRPr>
-    </a:lvl8pPr>
-    <a:lvl9pPr marL="3657600" algn="l" defTabSz="914400" rtl="0" eaLnBrk="1" latinLnBrk="1" hangingPunct="1">
-      <a:defRPr sz="1200" kern="1200">
-        <a:solidFill>
-          <a:schemeClr val="tx1"/>
-        </a:solidFill>
-        <a:latin typeface="+mn-lt"/>
-        <a:ea typeface="+mn-ea"/>
-        <a:cs typeface="+mn-cs"/>
-      </a:defRPr>
-    </a:lvl9pPr>
-  </p:notesStyle>
-</p:notesMaster>
 </file>
 
 <file path=ppt/slideLayouts/slideLayout1.xml><?xml version="1.0" encoding="utf-8"?>
@@ -488,8 +136,8 @@
         </p:nvSpPr>
         <p:spPr>
           <a:xfrm>
-            <a:off x="685800" y="2130425"/>
-            <a:ext cx="7772400" cy="1470025"/>
+            <a:off x="405051" y="1677710"/>
+            <a:ext cx="4590574" cy="1157645"/>
           </a:xfrm>
         </p:spPr>
         <p:txBody>
@@ -500,7 +148,7 @@
               <a:rPr lang="ko-KR" altLang="en-US" smtClean="0"/>
               <a:t>마스터 제목 스타일 편집</a:t>
             </a:r>
-            <a:endParaRPr lang="ko-KR" altLang="en-US" dirty="0"/>
+            <a:endParaRPr lang="ko-KR" altLang="en-US"/>
           </a:p>
         </p:txBody>
       </p:sp>
@@ -516,8 +164,8 @@
         </p:nvSpPr>
         <p:spPr>
           <a:xfrm>
-            <a:off x="1371600" y="3886200"/>
-            <a:ext cx="6400800" cy="1752600"/>
+            <a:off x="810101" y="3060382"/>
+            <a:ext cx="3780473" cy="1380173"/>
           </a:xfrm>
         </p:spPr>
         <p:txBody>
@@ -533,7 +181,7 @@
                 </a:solidFill>
               </a:defRPr>
             </a:lvl1pPr>
-            <a:lvl2pPr marL="457200" indent="0" algn="ctr">
+            <a:lvl2pPr marL="308610" indent="0" algn="ctr">
               <a:buNone/>
               <a:defRPr>
                 <a:solidFill>
@@ -543,7 +191,7 @@
                 </a:solidFill>
               </a:defRPr>
             </a:lvl2pPr>
-            <a:lvl3pPr marL="914400" indent="0" algn="ctr">
+            <a:lvl3pPr marL="617220" indent="0" algn="ctr">
               <a:buNone/>
               <a:defRPr>
                 <a:solidFill>
@@ -553,7 +201,7 @@
                 </a:solidFill>
               </a:defRPr>
             </a:lvl3pPr>
-            <a:lvl4pPr marL="1371600" indent="0" algn="ctr">
+            <a:lvl4pPr marL="925830" indent="0" algn="ctr">
               <a:buNone/>
               <a:defRPr>
                 <a:solidFill>
@@ -563,7 +211,7 @@
                 </a:solidFill>
               </a:defRPr>
             </a:lvl4pPr>
-            <a:lvl5pPr marL="1828800" indent="0" algn="ctr">
+            <a:lvl5pPr marL="1234440" indent="0" algn="ctr">
               <a:buNone/>
               <a:defRPr>
                 <a:solidFill>
@@ -573,7 +221,7 @@
                 </a:solidFill>
               </a:defRPr>
             </a:lvl5pPr>
-            <a:lvl6pPr marL="2286000" indent="0" algn="ctr">
+            <a:lvl6pPr marL="1543050" indent="0" algn="ctr">
               <a:buNone/>
               <a:defRPr>
                 <a:solidFill>
@@ -583,7 +231,7 @@
                 </a:solidFill>
               </a:defRPr>
             </a:lvl6pPr>
-            <a:lvl7pPr marL="2743200" indent="0" algn="ctr">
+            <a:lvl7pPr marL="1851660" indent="0" algn="ctr">
               <a:buNone/>
               <a:defRPr>
                 <a:solidFill>
@@ -593,7 +241,7 @@
                 </a:solidFill>
               </a:defRPr>
             </a:lvl7pPr>
-            <a:lvl8pPr marL="3200400" indent="0" algn="ctr">
+            <a:lvl8pPr marL="2160270" indent="0" algn="ctr">
               <a:buNone/>
               <a:defRPr>
                 <a:solidFill>
@@ -603,7 +251,7 @@
                 </a:solidFill>
               </a:defRPr>
             </a:lvl8pPr>
-            <a:lvl9pPr marL="3657600" indent="0" algn="ctr">
+            <a:lvl9pPr marL="2468880" indent="0" algn="ctr">
               <a:buNone/>
               <a:defRPr>
                 <a:solidFill>
@@ -638,10 +286,9 @@
           <a:bodyPr/>
           <a:lstStyle/>
           <a:p>
-            <a:fld id="{FB30EDBD-1C2D-4C1E-B459-B60219FAB484}" type="datetimeFigureOut">
-              <a:rPr lang="ko-KR" altLang="en-US" smtClean="0"/>
-              <a:pPr/>
-              <a:t>2023-03-30</a:t>
+            <a:fld id="{89186D38-20D0-4047-91E9-BA3304A2875A}" type="datetimeFigureOut">
+              <a:rPr lang="ko-KR" altLang="en-US" smtClean="0"/>
+              <a:t>2023-03-31</a:t>
             </a:fld>
             <a:endParaRPr lang="ko-KR" altLang="en-US"/>
           </a:p>
@@ -681,9 +328,8 @@
           <a:bodyPr/>
           <a:lstStyle/>
           <a:p>
-            <a:fld id="{4BEDD84E-25D4-4983-8AA1-2863C96F08D9}" type="slidenum">
-              <a:rPr lang="ko-KR" altLang="en-US" smtClean="0"/>
-              <a:pPr/>
+            <a:fld id="{B334C302-97CA-4FB7-BEA1-9F629782F6F8}" type="slidenum">
+              <a:rPr lang="ko-KR" altLang="en-US" smtClean="0"/>
               <a:t>‹#›</a:t>
             </a:fld>
             <a:endParaRPr lang="ko-KR" altLang="en-US"/>
@@ -805,10 +451,9 @@
           <a:bodyPr/>
           <a:lstStyle/>
           <a:p>
-            <a:fld id="{FB30EDBD-1C2D-4C1E-B459-B60219FAB484}" type="datetimeFigureOut">
-              <a:rPr lang="ko-KR" altLang="en-US" smtClean="0"/>
-              <a:pPr/>
-              <a:t>2023-03-30</a:t>
+            <a:fld id="{89186D38-20D0-4047-91E9-BA3304A2875A}" type="datetimeFigureOut">
+              <a:rPr lang="ko-KR" altLang="en-US" smtClean="0"/>
+              <a:t>2023-03-31</a:t>
             </a:fld>
             <a:endParaRPr lang="ko-KR" altLang="en-US"/>
           </a:p>
@@ -848,9 +493,8 @@
           <a:bodyPr/>
           <a:lstStyle/>
           <a:p>
-            <a:fld id="{4BEDD84E-25D4-4983-8AA1-2863C96F08D9}" type="slidenum">
-              <a:rPr lang="ko-KR" altLang="en-US" smtClean="0"/>
-              <a:pPr/>
+            <a:fld id="{B334C302-97CA-4FB7-BEA1-9F629782F6F8}" type="slidenum">
+              <a:rPr lang="ko-KR" altLang="en-US" smtClean="0"/>
               <a:t>‹#›</a:t>
             </a:fld>
             <a:endParaRPr lang="ko-KR" altLang="en-US"/>
@@ -894,8 +538,8 @@
         </p:nvSpPr>
         <p:spPr>
           <a:xfrm>
-            <a:off x="6629400" y="274638"/>
-            <a:ext cx="2057400" cy="5851525"/>
+            <a:off x="2313102" y="170022"/>
+            <a:ext cx="717277" cy="3629204"/>
           </a:xfrm>
         </p:spPr>
         <p:txBody>
@@ -922,8 +566,8 @@
         </p:nvSpPr>
         <p:spPr>
           <a:xfrm>
-            <a:off x="457200" y="274638"/>
-            <a:ext cx="6019800" cy="5851525"/>
+            <a:off x="159395" y="170022"/>
+            <a:ext cx="2063696" cy="3629204"/>
           </a:xfrm>
         </p:spPr>
         <p:txBody>
@@ -982,10 +626,9 @@
           <a:bodyPr/>
           <a:lstStyle/>
           <a:p>
-            <a:fld id="{FB30EDBD-1C2D-4C1E-B459-B60219FAB484}" type="datetimeFigureOut">
-              <a:rPr lang="ko-KR" altLang="en-US" smtClean="0"/>
-              <a:pPr/>
-              <a:t>2023-03-30</a:t>
+            <a:fld id="{89186D38-20D0-4047-91E9-BA3304A2875A}" type="datetimeFigureOut">
+              <a:rPr lang="ko-KR" altLang="en-US" smtClean="0"/>
+              <a:t>2023-03-31</a:t>
             </a:fld>
             <a:endParaRPr lang="ko-KR" altLang="en-US"/>
           </a:p>
@@ -1025,9 +668,8 @@
           <a:bodyPr/>
           <a:lstStyle/>
           <a:p>
-            <a:fld id="{4BEDD84E-25D4-4983-8AA1-2863C96F08D9}" type="slidenum">
-              <a:rPr lang="ko-KR" altLang="en-US" smtClean="0"/>
-              <a:pPr/>
+            <a:fld id="{B334C302-97CA-4FB7-BEA1-9F629782F6F8}" type="slidenum">
+              <a:rPr lang="ko-KR" altLang="en-US" smtClean="0"/>
               <a:t>‹#›</a:t>
             </a:fld>
             <a:endParaRPr lang="ko-KR" altLang="en-US"/>
@@ -1149,10 +791,9 @@
           <a:bodyPr/>
           <a:lstStyle/>
           <a:p>
-            <a:fld id="{FB30EDBD-1C2D-4C1E-B459-B60219FAB484}" type="datetimeFigureOut">
-              <a:rPr lang="ko-KR" altLang="en-US" smtClean="0"/>
-              <a:pPr/>
-              <a:t>2023-03-30</a:t>
+            <a:fld id="{89186D38-20D0-4047-91E9-BA3304A2875A}" type="datetimeFigureOut">
+              <a:rPr lang="ko-KR" altLang="en-US" smtClean="0"/>
+              <a:t>2023-03-31</a:t>
             </a:fld>
             <a:endParaRPr lang="ko-KR" altLang="en-US"/>
           </a:p>
@@ -1192,9 +833,8 @@
           <a:bodyPr/>
           <a:lstStyle/>
           <a:p>
-            <a:fld id="{4BEDD84E-25D4-4983-8AA1-2863C96F08D9}" type="slidenum">
-              <a:rPr lang="ko-KR" altLang="en-US" smtClean="0"/>
-              <a:pPr/>
+            <a:fld id="{B334C302-97CA-4FB7-BEA1-9F629782F6F8}" type="slidenum">
+              <a:rPr lang="ko-KR" altLang="en-US" smtClean="0"/>
               <a:t>‹#›</a:t>
             </a:fld>
             <a:endParaRPr lang="ko-KR" altLang="en-US"/>
@@ -1238,15 +878,15 @@
         </p:nvSpPr>
         <p:spPr>
           <a:xfrm>
-            <a:off x="722313" y="4406900"/>
-            <a:ext cx="7772400" cy="1362075"/>
+            <a:off x="426616" y="3470434"/>
+            <a:ext cx="4590574" cy="1072634"/>
           </a:xfrm>
         </p:spPr>
         <p:txBody>
           <a:bodyPr anchor="t"/>
           <a:lstStyle>
             <a:lvl1pPr algn="l">
-              <a:defRPr sz="4000" b="1" cap="all"/>
+              <a:defRPr sz="2700" b="1" cap="all"/>
             </a:lvl1pPr>
           </a:lstStyle>
           <a:p>
@@ -1270,8 +910,8 @@
         </p:nvSpPr>
         <p:spPr>
           <a:xfrm>
-            <a:off x="722313" y="2906713"/>
-            <a:ext cx="7772400" cy="1500187"/>
+            <a:off x="426616" y="2289037"/>
+            <a:ext cx="4590574" cy="1181397"/>
           </a:xfrm>
         </p:spPr>
         <p:txBody>
@@ -1279,7 +919,7 @@
           <a:lstStyle>
             <a:lvl1pPr marL="0" indent="0">
               <a:buNone/>
-              <a:defRPr sz="2000">
+              <a:defRPr sz="1400">
                 <a:solidFill>
                   <a:schemeClr val="tx1">
                     <a:tint val="75000"/>
@@ -1287,9 +927,9 @@
                 </a:solidFill>
               </a:defRPr>
             </a:lvl1pPr>
-            <a:lvl2pPr marL="457200" indent="0">
-              <a:buNone/>
-              <a:defRPr sz="1800">
+            <a:lvl2pPr marL="308610" indent="0">
+              <a:buNone/>
+              <a:defRPr sz="1200">
                 <a:solidFill>
                   <a:schemeClr val="tx1">
                     <a:tint val="75000"/>
@@ -1297,9 +937,9 @@
                 </a:solidFill>
               </a:defRPr>
             </a:lvl2pPr>
-            <a:lvl3pPr marL="914400" indent="0">
-              <a:buNone/>
-              <a:defRPr sz="1600">
+            <a:lvl3pPr marL="617220" indent="0">
+              <a:buNone/>
+              <a:defRPr sz="1100">
                 <a:solidFill>
                   <a:schemeClr val="tx1">
                     <a:tint val="75000"/>
@@ -1307,9 +947,9 @@
                 </a:solidFill>
               </a:defRPr>
             </a:lvl3pPr>
-            <a:lvl4pPr marL="1371600" indent="0">
-              <a:buNone/>
-              <a:defRPr sz="1400">
+            <a:lvl4pPr marL="925830" indent="0">
+              <a:buNone/>
+              <a:defRPr sz="900">
                 <a:solidFill>
                   <a:schemeClr val="tx1">
                     <a:tint val="75000"/>
@@ -1317,9 +957,9 @@
                 </a:solidFill>
               </a:defRPr>
             </a:lvl4pPr>
-            <a:lvl5pPr marL="1828800" indent="0">
-              <a:buNone/>
-              <a:defRPr sz="1400">
+            <a:lvl5pPr marL="1234440" indent="0">
+              <a:buNone/>
+              <a:defRPr sz="900">
                 <a:solidFill>
                   <a:schemeClr val="tx1">
                     <a:tint val="75000"/>
@@ -1327,9 +967,9 @@
                 </a:solidFill>
               </a:defRPr>
             </a:lvl5pPr>
-            <a:lvl6pPr marL="2286000" indent="0">
-              <a:buNone/>
-              <a:defRPr sz="1400">
+            <a:lvl6pPr marL="1543050" indent="0">
+              <a:buNone/>
+              <a:defRPr sz="900">
                 <a:solidFill>
                   <a:schemeClr val="tx1">
                     <a:tint val="75000"/>
@@ -1337,9 +977,9 @@
                 </a:solidFill>
               </a:defRPr>
             </a:lvl6pPr>
-            <a:lvl7pPr marL="2743200" indent="0">
-              <a:buNone/>
-              <a:defRPr sz="1400">
+            <a:lvl7pPr marL="1851660" indent="0">
+              <a:buNone/>
+              <a:defRPr sz="900">
                 <a:solidFill>
                   <a:schemeClr val="tx1">
                     <a:tint val="75000"/>
@@ -1347,9 +987,9 @@
                 </a:solidFill>
               </a:defRPr>
             </a:lvl7pPr>
-            <a:lvl8pPr marL="3200400" indent="0">
-              <a:buNone/>
-              <a:defRPr sz="1400">
+            <a:lvl8pPr marL="2160270" indent="0">
+              <a:buNone/>
+              <a:defRPr sz="900">
                 <a:solidFill>
                   <a:schemeClr val="tx1">
                     <a:tint val="75000"/>
@@ -1357,9 +997,9 @@
                 </a:solidFill>
               </a:defRPr>
             </a:lvl8pPr>
-            <a:lvl9pPr marL="3657600" indent="0">
-              <a:buNone/>
-              <a:defRPr sz="1400">
+            <a:lvl9pPr marL="2468880" indent="0">
+              <a:buNone/>
+              <a:defRPr sz="900">
                 <a:solidFill>
                   <a:schemeClr val="tx1">
                     <a:tint val="75000"/>
@@ -1392,10 +1032,9 @@
           <a:bodyPr/>
           <a:lstStyle/>
           <a:p>
-            <a:fld id="{FB30EDBD-1C2D-4C1E-B459-B60219FAB484}" type="datetimeFigureOut">
-              <a:rPr lang="ko-KR" altLang="en-US" smtClean="0"/>
-              <a:pPr/>
-              <a:t>2023-03-30</a:t>
+            <a:fld id="{89186D38-20D0-4047-91E9-BA3304A2875A}" type="datetimeFigureOut">
+              <a:rPr lang="ko-KR" altLang="en-US" smtClean="0"/>
+              <a:t>2023-03-31</a:t>
             </a:fld>
             <a:endParaRPr lang="ko-KR" altLang="en-US"/>
           </a:p>
@@ -1435,9 +1074,8 @@
           <a:bodyPr/>
           <a:lstStyle/>
           <a:p>
-            <a:fld id="{4BEDD84E-25D4-4983-8AA1-2863C96F08D9}" type="slidenum">
-              <a:rPr lang="ko-KR" altLang="en-US" smtClean="0"/>
-              <a:pPr/>
+            <a:fld id="{B334C302-97CA-4FB7-BEA1-9F629782F6F8}" type="slidenum">
+              <a:rPr lang="ko-KR" altLang="en-US" smtClean="0"/>
               <a:t>‹#›</a:t>
             </a:fld>
             <a:endParaRPr lang="ko-KR" altLang="en-US"/>
@@ -1504,39 +1142,39 @@
         </p:nvSpPr>
         <p:spPr>
           <a:xfrm>
-            <a:off x="457200" y="1600200"/>
-            <a:ext cx="4038600" cy="4525963"/>
+            <a:off x="159395" y="992624"/>
+            <a:ext cx="1390487" cy="2806601"/>
           </a:xfrm>
         </p:spPr>
         <p:txBody>
           <a:bodyPr/>
           <a:lstStyle>
             <a:lvl1pPr>
-              <a:defRPr sz="2800"/>
+              <a:defRPr sz="1900"/>
             </a:lvl1pPr>
             <a:lvl2pPr>
-              <a:defRPr sz="2400"/>
+              <a:defRPr sz="1600"/>
             </a:lvl2pPr>
             <a:lvl3pPr>
-              <a:defRPr sz="2000"/>
+              <a:defRPr sz="1400"/>
             </a:lvl3pPr>
             <a:lvl4pPr>
-              <a:defRPr sz="1800"/>
+              <a:defRPr sz="1200"/>
             </a:lvl4pPr>
             <a:lvl5pPr>
-              <a:defRPr sz="1800"/>
+              <a:defRPr sz="1200"/>
             </a:lvl5pPr>
             <a:lvl6pPr>
-              <a:defRPr sz="1800"/>
+              <a:defRPr sz="1200"/>
             </a:lvl6pPr>
             <a:lvl7pPr>
-              <a:defRPr sz="1800"/>
+              <a:defRPr sz="1200"/>
             </a:lvl7pPr>
             <a:lvl8pPr>
-              <a:defRPr sz="1800"/>
+              <a:defRPr sz="1200"/>
             </a:lvl8pPr>
             <a:lvl9pPr>
-              <a:defRPr sz="1800"/>
+              <a:defRPr sz="1200"/>
             </a:lvl9pPr>
           </a:lstStyle>
           <a:p>
@@ -1589,39 +1227,39 @@
         </p:nvSpPr>
         <p:spPr>
           <a:xfrm>
-            <a:off x="4648200" y="1600200"/>
-            <a:ext cx="4038600" cy="4525963"/>
+            <a:off x="1639893" y="992624"/>
+            <a:ext cx="1390486" cy="2806601"/>
           </a:xfrm>
         </p:spPr>
         <p:txBody>
           <a:bodyPr/>
           <a:lstStyle>
             <a:lvl1pPr>
-              <a:defRPr sz="2800"/>
+              <a:defRPr sz="1900"/>
             </a:lvl1pPr>
             <a:lvl2pPr>
-              <a:defRPr sz="2400"/>
+              <a:defRPr sz="1600"/>
             </a:lvl2pPr>
             <a:lvl3pPr>
-              <a:defRPr sz="2000"/>
+              <a:defRPr sz="1400"/>
             </a:lvl3pPr>
             <a:lvl4pPr>
-              <a:defRPr sz="1800"/>
+              <a:defRPr sz="1200"/>
             </a:lvl4pPr>
             <a:lvl5pPr>
-              <a:defRPr sz="1800"/>
+              <a:defRPr sz="1200"/>
             </a:lvl5pPr>
             <a:lvl6pPr>
-              <a:defRPr sz="1800"/>
+              <a:defRPr sz="1200"/>
             </a:lvl6pPr>
             <a:lvl7pPr>
-              <a:defRPr sz="1800"/>
+              <a:defRPr sz="1200"/>
             </a:lvl7pPr>
             <a:lvl8pPr>
-              <a:defRPr sz="1800"/>
+              <a:defRPr sz="1200"/>
             </a:lvl8pPr>
             <a:lvl9pPr>
-              <a:defRPr sz="1800"/>
+              <a:defRPr sz="1200"/>
             </a:lvl9pPr>
           </a:lstStyle>
           <a:p>
@@ -1677,10 +1315,9 @@
           <a:bodyPr/>
           <a:lstStyle/>
           <a:p>
-            <a:fld id="{FB30EDBD-1C2D-4C1E-B459-B60219FAB484}" type="datetimeFigureOut">
-              <a:rPr lang="ko-KR" altLang="en-US" smtClean="0"/>
-              <a:pPr/>
-              <a:t>2023-03-30</a:t>
+            <a:fld id="{89186D38-20D0-4047-91E9-BA3304A2875A}" type="datetimeFigureOut">
+              <a:rPr lang="ko-KR" altLang="en-US" smtClean="0"/>
+              <a:t>2023-03-31</a:t>
             </a:fld>
             <a:endParaRPr lang="ko-KR" altLang="en-US"/>
           </a:p>
@@ -1720,9 +1357,8 @@
           <a:bodyPr/>
           <a:lstStyle/>
           <a:p>
-            <a:fld id="{4BEDD84E-25D4-4983-8AA1-2863C96F08D9}" type="slidenum">
-              <a:rPr lang="ko-KR" altLang="en-US" smtClean="0"/>
-              <a:pPr/>
+            <a:fld id="{B334C302-97CA-4FB7-BEA1-9F629782F6F8}" type="slidenum">
+              <a:rPr lang="ko-KR" altLang="en-US" smtClean="0"/>
               <a:t>‹#›</a:t>
             </a:fld>
             <a:endParaRPr lang="ko-KR" altLang="en-US"/>
@@ -1764,7 +1400,12 @@
             <p:ph type="title"/>
           </p:nvPr>
         </p:nvSpPr>
-        <p:spPr/>
+        <p:spPr>
+          <a:xfrm>
+            <a:off x="270034" y="216277"/>
+            <a:ext cx="4860608" cy="900113"/>
+          </a:xfrm>
+        </p:spPr>
         <p:txBody>
           <a:bodyPr/>
           <a:lstStyle>
@@ -1793,8 +1434,8 @@
         </p:nvSpPr>
         <p:spPr>
           <a:xfrm>
-            <a:off x="457200" y="1535113"/>
-            <a:ext cx="4040188" cy="639762"/>
+            <a:off x="270034" y="1208901"/>
+            <a:ext cx="2386236" cy="503813"/>
           </a:xfrm>
         </p:spPr>
         <p:txBody>
@@ -1802,39 +1443,39 @@
           <a:lstStyle>
             <a:lvl1pPr marL="0" indent="0">
               <a:buNone/>
-              <a:defRPr sz="2400" b="1"/>
+              <a:defRPr sz="1600" b="1"/>
             </a:lvl1pPr>
-            <a:lvl2pPr marL="457200" indent="0">
-              <a:buNone/>
-              <a:defRPr sz="2000" b="1"/>
+            <a:lvl2pPr marL="308610" indent="0">
+              <a:buNone/>
+              <a:defRPr sz="1400" b="1"/>
             </a:lvl2pPr>
-            <a:lvl3pPr marL="914400" indent="0">
-              <a:buNone/>
-              <a:defRPr sz="1800" b="1"/>
+            <a:lvl3pPr marL="617220" indent="0">
+              <a:buNone/>
+              <a:defRPr sz="1200" b="1"/>
             </a:lvl3pPr>
-            <a:lvl4pPr marL="1371600" indent="0">
-              <a:buNone/>
-              <a:defRPr sz="1600" b="1"/>
+            <a:lvl4pPr marL="925830" indent="0">
+              <a:buNone/>
+              <a:defRPr sz="1100" b="1"/>
             </a:lvl4pPr>
-            <a:lvl5pPr marL="1828800" indent="0">
-              <a:buNone/>
-              <a:defRPr sz="1600" b="1"/>
+            <a:lvl5pPr marL="1234440" indent="0">
+              <a:buNone/>
+              <a:defRPr sz="1100" b="1"/>
             </a:lvl5pPr>
-            <a:lvl6pPr marL="2286000" indent="0">
-              <a:buNone/>
-              <a:defRPr sz="1600" b="1"/>
+            <a:lvl6pPr marL="1543050" indent="0">
+              <a:buNone/>
+              <a:defRPr sz="1100" b="1"/>
             </a:lvl6pPr>
-            <a:lvl7pPr marL="2743200" indent="0">
-              <a:buNone/>
-              <a:defRPr sz="1600" b="1"/>
+            <a:lvl7pPr marL="1851660" indent="0">
+              <a:buNone/>
+              <a:defRPr sz="1100" b="1"/>
             </a:lvl7pPr>
-            <a:lvl8pPr marL="3200400" indent="0">
-              <a:buNone/>
-              <a:defRPr sz="1600" b="1"/>
+            <a:lvl8pPr marL="2160270" indent="0">
+              <a:buNone/>
+              <a:defRPr sz="1100" b="1"/>
             </a:lvl8pPr>
-            <a:lvl9pPr marL="3657600" indent="0">
-              <a:buNone/>
-              <a:defRPr sz="1600" b="1"/>
+            <a:lvl9pPr marL="2468880" indent="0">
+              <a:buNone/>
+              <a:defRPr sz="1100" b="1"/>
             </a:lvl9pPr>
           </a:lstStyle>
           <a:p>
@@ -1858,39 +1499,39 @@
         </p:nvSpPr>
         <p:spPr>
           <a:xfrm>
-            <a:off x="457200" y="2174875"/>
-            <a:ext cx="4040188" cy="3951288"/>
+            <a:off x="270034" y="1712714"/>
+            <a:ext cx="2386236" cy="3111639"/>
           </a:xfrm>
         </p:spPr>
         <p:txBody>
           <a:bodyPr/>
           <a:lstStyle>
             <a:lvl1pPr>
-              <a:defRPr sz="2400"/>
+              <a:defRPr sz="1600"/>
             </a:lvl1pPr>
             <a:lvl2pPr>
-              <a:defRPr sz="2000"/>
+              <a:defRPr sz="1400"/>
             </a:lvl2pPr>
             <a:lvl3pPr>
-              <a:defRPr sz="1800"/>
+              <a:defRPr sz="1200"/>
             </a:lvl3pPr>
             <a:lvl4pPr>
-              <a:defRPr sz="1600"/>
+              <a:defRPr sz="1100"/>
             </a:lvl4pPr>
             <a:lvl5pPr>
-              <a:defRPr sz="1600"/>
+              <a:defRPr sz="1100"/>
             </a:lvl5pPr>
             <a:lvl6pPr>
-              <a:defRPr sz="1600"/>
+              <a:defRPr sz="1100"/>
             </a:lvl6pPr>
             <a:lvl7pPr>
-              <a:defRPr sz="1600"/>
+              <a:defRPr sz="1100"/>
             </a:lvl7pPr>
             <a:lvl8pPr>
-              <a:defRPr sz="1600"/>
+              <a:defRPr sz="1100"/>
             </a:lvl8pPr>
             <a:lvl9pPr>
-              <a:defRPr sz="1600"/>
+              <a:defRPr sz="1100"/>
             </a:lvl9pPr>
           </a:lstStyle>
           <a:p>
@@ -1943,8 +1584,8 @@
         </p:nvSpPr>
         <p:spPr>
           <a:xfrm>
-            <a:off x="4645025" y="1535113"/>
-            <a:ext cx="4041775" cy="639762"/>
+            <a:off x="2743468" y="1208901"/>
+            <a:ext cx="2387173" cy="503813"/>
           </a:xfrm>
         </p:spPr>
         <p:txBody>
@@ -1952,39 +1593,39 @@
           <a:lstStyle>
             <a:lvl1pPr marL="0" indent="0">
               <a:buNone/>
-              <a:defRPr sz="2400" b="1"/>
+              <a:defRPr sz="1600" b="1"/>
             </a:lvl1pPr>
-            <a:lvl2pPr marL="457200" indent="0">
-              <a:buNone/>
-              <a:defRPr sz="2000" b="1"/>
+            <a:lvl2pPr marL="308610" indent="0">
+              <a:buNone/>
+              <a:defRPr sz="1400" b="1"/>
             </a:lvl2pPr>
-            <a:lvl3pPr marL="914400" indent="0">
-              <a:buNone/>
-              <a:defRPr sz="1800" b="1"/>
+            <a:lvl3pPr marL="617220" indent="0">
+              <a:buNone/>
+              <a:defRPr sz="1200" b="1"/>
             </a:lvl3pPr>
-            <a:lvl4pPr marL="1371600" indent="0">
-              <a:buNone/>
-              <a:defRPr sz="1600" b="1"/>
+            <a:lvl4pPr marL="925830" indent="0">
+              <a:buNone/>
+              <a:defRPr sz="1100" b="1"/>
             </a:lvl4pPr>
-            <a:lvl5pPr marL="1828800" indent="0">
-              <a:buNone/>
-              <a:defRPr sz="1600" b="1"/>
+            <a:lvl5pPr marL="1234440" indent="0">
+              <a:buNone/>
+              <a:defRPr sz="1100" b="1"/>
             </a:lvl5pPr>
-            <a:lvl6pPr marL="2286000" indent="0">
-              <a:buNone/>
-              <a:defRPr sz="1600" b="1"/>
+            <a:lvl6pPr marL="1543050" indent="0">
+              <a:buNone/>
+              <a:defRPr sz="1100" b="1"/>
             </a:lvl6pPr>
-            <a:lvl7pPr marL="2743200" indent="0">
-              <a:buNone/>
-              <a:defRPr sz="1600" b="1"/>
+            <a:lvl7pPr marL="1851660" indent="0">
+              <a:buNone/>
+              <a:defRPr sz="1100" b="1"/>
             </a:lvl7pPr>
-            <a:lvl8pPr marL="3200400" indent="0">
-              <a:buNone/>
-              <a:defRPr sz="1600" b="1"/>
+            <a:lvl8pPr marL="2160270" indent="0">
+              <a:buNone/>
+              <a:defRPr sz="1100" b="1"/>
             </a:lvl8pPr>
-            <a:lvl9pPr marL="3657600" indent="0">
-              <a:buNone/>
-              <a:defRPr sz="1600" b="1"/>
+            <a:lvl9pPr marL="2468880" indent="0">
+              <a:buNone/>
+              <a:defRPr sz="1100" b="1"/>
             </a:lvl9pPr>
           </a:lstStyle>
           <a:p>
@@ -2008,39 +1649,39 @@
         </p:nvSpPr>
         <p:spPr>
           <a:xfrm>
-            <a:off x="4645025" y="2174875"/>
-            <a:ext cx="4041775" cy="3951288"/>
+            <a:off x="2743468" y="1712714"/>
+            <a:ext cx="2387173" cy="3111639"/>
           </a:xfrm>
         </p:spPr>
         <p:txBody>
           <a:bodyPr/>
           <a:lstStyle>
             <a:lvl1pPr>
-              <a:defRPr sz="2400"/>
+              <a:defRPr sz="1600"/>
             </a:lvl1pPr>
             <a:lvl2pPr>
-              <a:defRPr sz="2000"/>
+              <a:defRPr sz="1400"/>
             </a:lvl2pPr>
             <a:lvl3pPr>
-              <a:defRPr sz="1800"/>
+              <a:defRPr sz="1200"/>
             </a:lvl3pPr>
             <a:lvl4pPr>
-              <a:defRPr sz="1600"/>
+              <a:defRPr sz="1100"/>
             </a:lvl4pPr>
             <a:lvl5pPr>
-              <a:defRPr sz="1600"/>
+              <a:defRPr sz="1100"/>
             </a:lvl5pPr>
             <a:lvl6pPr>
-              <a:defRPr sz="1600"/>
+              <a:defRPr sz="1100"/>
             </a:lvl6pPr>
             <a:lvl7pPr>
-              <a:defRPr sz="1600"/>
+              <a:defRPr sz="1100"/>
             </a:lvl7pPr>
             <a:lvl8pPr>
-              <a:defRPr sz="1600"/>
+              <a:defRPr sz="1100"/>
             </a:lvl8pPr>
             <a:lvl9pPr>
-              <a:defRPr sz="1600"/>
+              <a:defRPr sz="1100"/>
             </a:lvl9pPr>
           </a:lstStyle>
           <a:p>
@@ -2096,10 +1737,9 @@
           <a:bodyPr/>
           <a:lstStyle/>
           <a:p>
-            <a:fld id="{FB30EDBD-1C2D-4C1E-B459-B60219FAB484}" type="datetimeFigureOut">
-              <a:rPr lang="ko-KR" altLang="en-US" smtClean="0"/>
-              <a:pPr/>
-              <a:t>2023-03-30</a:t>
+            <a:fld id="{89186D38-20D0-4047-91E9-BA3304A2875A}" type="datetimeFigureOut">
+              <a:rPr lang="ko-KR" altLang="en-US" smtClean="0"/>
+              <a:t>2023-03-31</a:t>
             </a:fld>
             <a:endParaRPr lang="ko-KR" altLang="en-US"/>
           </a:p>
@@ -2139,9 +1779,8 @@
           <a:bodyPr/>
           <a:lstStyle/>
           <a:p>
-            <a:fld id="{4BEDD84E-25D4-4983-8AA1-2863C96F08D9}" type="slidenum">
-              <a:rPr lang="ko-KR" altLang="en-US" smtClean="0"/>
-              <a:pPr/>
+            <a:fld id="{B334C302-97CA-4FB7-BEA1-9F629782F6F8}" type="slidenum">
+              <a:rPr lang="ko-KR" altLang="en-US" smtClean="0"/>
               <a:t>‹#›</a:t>
             </a:fld>
             <a:endParaRPr lang="ko-KR" altLang="en-US"/>
@@ -2211,10 +1850,9 @@
           <a:bodyPr/>
           <a:lstStyle/>
           <a:p>
-            <a:fld id="{FB30EDBD-1C2D-4C1E-B459-B60219FAB484}" type="datetimeFigureOut">
-              <a:rPr lang="ko-KR" altLang="en-US" smtClean="0"/>
-              <a:pPr/>
-              <a:t>2023-03-30</a:t>
+            <a:fld id="{89186D38-20D0-4047-91E9-BA3304A2875A}" type="datetimeFigureOut">
+              <a:rPr lang="ko-KR" altLang="en-US" smtClean="0"/>
+              <a:t>2023-03-31</a:t>
             </a:fld>
             <a:endParaRPr lang="ko-KR" altLang="en-US"/>
           </a:p>
@@ -2254,9 +1892,8 @@
           <a:bodyPr/>
           <a:lstStyle/>
           <a:p>
-            <a:fld id="{4BEDD84E-25D4-4983-8AA1-2863C96F08D9}" type="slidenum">
-              <a:rPr lang="ko-KR" altLang="en-US" smtClean="0"/>
-              <a:pPr/>
+            <a:fld id="{B334C302-97CA-4FB7-BEA1-9F629782F6F8}" type="slidenum">
+              <a:rPr lang="ko-KR" altLang="en-US" smtClean="0"/>
               <a:t>‹#›</a:t>
             </a:fld>
             <a:endParaRPr lang="ko-KR" altLang="en-US"/>
@@ -2303,10 +1940,9 @@
           <a:bodyPr/>
           <a:lstStyle/>
           <a:p>
-            <a:fld id="{FB30EDBD-1C2D-4C1E-B459-B60219FAB484}" type="datetimeFigureOut">
-              <a:rPr lang="ko-KR" altLang="en-US" smtClean="0"/>
-              <a:pPr/>
-              <a:t>2023-03-30</a:t>
+            <a:fld id="{89186D38-20D0-4047-91E9-BA3304A2875A}" type="datetimeFigureOut">
+              <a:rPr lang="ko-KR" altLang="en-US" smtClean="0"/>
+              <a:t>2023-03-31</a:t>
             </a:fld>
             <a:endParaRPr lang="ko-KR" altLang="en-US"/>
           </a:p>
@@ -2346,9 +1982,8 @@
           <a:bodyPr/>
           <a:lstStyle/>
           <a:p>
-            <a:fld id="{4BEDD84E-25D4-4983-8AA1-2863C96F08D9}" type="slidenum">
-              <a:rPr lang="ko-KR" altLang="en-US" smtClean="0"/>
-              <a:pPr/>
+            <a:fld id="{B334C302-97CA-4FB7-BEA1-9F629782F6F8}" type="slidenum">
+              <a:rPr lang="ko-KR" altLang="en-US" smtClean="0"/>
               <a:t>‹#›</a:t>
             </a:fld>
             <a:endParaRPr lang="ko-KR" altLang="en-US"/>
@@ -2392,15 +2027,15 @@
         </p:nvSpPr>
         <p:spPr>
           <a:xfrm>
-            <a:off x="457200" y="273050"/>
-            <a:ext cx="3008313" cy="1162050"/>
+            <a:off x="270034" y="215027"/>
+            <a:ext cx="1776785" cy="915114"/>
           </a:xfrm>
         </p:spPr>
         <p:txBody>
           <a:bodyPr anchor="b"/>
           <a:lstStyle>
             <a:lvl1pPr algn="l">
-              <a:defRPr sz="2000" b="1"/>
+              <a:defRPr sz="1400" b="1"/>
             </a:lvl1pPr>
           </a:lstStyle>
           <a:p>
@@ -2424,39 +2059,39 @@
         </p:nvSpPr>
         <p:spPr>
           <a:xfrm>
-            <a:off x="3575050" y="273050"/>
-            <a:ext cx="5111750" cy="5853113"/>
+            <a:off x="2111514" y="215028"/>
+            <a:ext cx="3019127" cy="4609326"/>
           </a:xfrm>
         </p:spPr>
         <p:txBody>
           <a:bodyPr/>
           <a:lstStyle>
             <a:lvl1pPr>
-              <a:defRPr sz="3200"/>
+              <a:defRPr sz="2200"/>
             </a:lvl1pPr>
             <a:lvl2pPr>
-              <a:defRPr sz="2800"/>
+              <a:defRPr sz="1900"/>
             </a:lvl2pPr>
             <a:lvl3pPr>
-              <a:defRPr sz="2400"/>
+              <a:defRPr sz="1600"/>
             </a:lvl3pPr>
             <a:lvl4pPr>
-              <a:defRPr sz="2000"/>
+              <a:defRPr sz="1400"/>
             </a:lvl4pPr>
             <a:lvl5pPr>
-              <a:defRPr sz="2000"/>
+              <a:defRPr sz="1400"/>
             </a:lvl5pPr>
             <a:lvl6pPr>
-              <a:defRPr sz="2000"/>
+              <a:defRPr sz="1400"/>
             </a:lvl6pPr>
             <a:lvl7pPr>
-              <a:defRPr sz="2000"/>
+              <a:defRPr sz="1400"/>
             </a:lvl7pPr>
             <a:lvl8pPr>
-              <a:defRPr sz="2000"/>
+              <a:defRPr sz="1400"/>
             </a:lvl8pPr>
             <a:lvl9pPr>
-              <a:defRPr sz="2000"/>
+              <a:defRPr sz="1400"/>
             </a:lvl9pPr>
           </a:lstStyle>
           <a:p>
@@ -2509,8 +2144,8 @@
         </p:nvSpPr>
         <p:spPr>
           <a:xfrm>
-            <a:off x="457200" y="1435100"/>
-            <a:ext cx="3008313" cy="4691063"/>
+            <a:off x="270034" y="1130142"/>
+            <a:ext cx="1776785" cy="3694212"/>
           </a:xfrm>
         </p:spPr>
         <p:txBody>
@@ -2518,39 +2153,39 @@
           <a:lstStyle>
             <a:lvl1pPr marL="0" indent="0">
               <a:buNone/>
-              <a:defRPr sz="1400"/>
+              <a:defRPr sz="900"/>
             </a:lvl1pPr>
-            <a:lvl2pPr marL="457200" indent="0">
-              <a:buNone/>
-              <a:defRPr sz="1200"/>
+            <a:lvl2pPr marL="308610" indent="0">
+              <a:buNone/>
+              <a:defRPr sz="800"/>
             </a:lvl2pPr>
-            <a:lvl3pPr marL="914400" indent="0">
-              <a:buNone/>
-              <a:defRPr sz="1000"/>
+            <a:lvl3pPr marL="617220" indent="0">
+              <a:buNone/>
+              <a:defRPr sz="700"/>
             </a:lvl3pPr>
-            <a:lvl4pPr marL="1371600" indent="0">
-              <a:buNone/>
-              <a:defRPr sz="900"/>
+            <a:lvl4pPr marL="925830" indent="0">
+              <a:buNone/>
+              <a:defRPr sz="600"/>
             </a:lvl4pPr>
-            <a:lvl5pPr marL="1828800" indent="0">
-              <a:buNone/>
-              <a:defRPr sz="900"/>
+            <a:lvl5pPr marL="1234440" indent="0">
+              <a:buNone/>
+              <a:defRPr sz="600"/>
             </a:lvl5pPr>
-            <a:lvl6pPr marL="2286000" indent="0">
-              <a:buNone/>
-              <a:defRPr sz="900"/>
+            <a:lvl6pPr marL="1543050" indent="0">
+              <a:buNone/>
+              <a:defRPr sz="600"/>
             </a:lvl6pPr>
-            <a:lvl7pPr marL="2743200" indent="0">
-              <a:buNone/>
-              <a:defRPr sz="900"/>
+            <a:lvl7pPr marL="1851660" indent="0">
+              <a:buNone/>
+              <a:defRPr sz="600"/>
             </a:lvl7pPr>
-            <a:lvl8pPr marL="3200400" indent="0">
-              <a:buNone/>
-              <a:defRPr sz="900"/>
+            <a:lvl8pPr marL="2160270" indent="0">
+              <a:buNone/>
+              <a:defRPr sz="600"/>
             </a:lvl8pPr>
-            <a:lvl9pPr marL="3657600" indent="0">
-              <a:buNone/>
-              <a:defRPr sz="900"/>
+            <a:lvl9pPr marL="2468880" indent="0">
+              <a:buNone/>
+              <a:defRPr sz="600"/>
             </a:lvl9pPr>
           </a:lstStyle>
           <a:p>
@@ -2577,10 +2212,9 @@
           <a:bodyPr/>
           <a:lstStyle/>
           <a:p>
-            <a:fld id="{FB30EDBD-1C2D-4C1E-B459-B60219FAB484}" type="datetimeFigureOut">
-              <a:rPr lang="ko-KR" altLang="en-US" smtClean="0"/>
-              <a:pPr/>
-              <a:t>2023-03-30</a:t>
+            <a:fld id="{89186D38-20D0-4047-91E9-BA3304A2875A}" type="datetimeFigureOut">
+              <a:rPr lang="ko-KR" altLang="en-US" smtClean="0"/>
+              <a:t>2023-03-31</a:t>
             </a:fld>
             <a:endParaRPr lang="ko-KR" altLang="en-US"/>
           </a:p>
@@ -2620,9 +2254,8 @@
           <a:bodyPr/>
           <a:lstStyle/>
           <a:p>
-            <a:fld id="{4BEDD84E-25D4-4983-8AA1-2863C96F08D9}" type="slidenum">
-              <a:rPr lang="ko-KR" altLang="en-US" smtClean="0"/>
-              <a:pPr/>
+            <a:fld id="{B334C302-97CA-4FB7-BEA1-9F629782F6F8}" type="slidenum">
+              <a:rPr lang="ko-KR" altLang="en-US" smtClean="0"/>
               <a:t>‹#›</a:t>
             </a:fld>
             <a:endParaRPr lang="ko-KR" altLang="en-US"/>
@@ -2666,15 +2299,15 @@
         </p:nvSpPr>
         <p:spPr>
           <a:xfrm>
-            <a:off x="1792288" y="4800600"/>
-            <a:ext cx="5486400" cy="566738"/>
+            <a:off x="1058570" y="3780473"/>
+            <a:ext cx="3240405" cy="446306"/>
           </a:xfrm>
         </p:spPr>
         <p:txBody>
           <a:bodyPr anchor="b"/>
           <a:lstStyle>
             <a:lvl1pPr algn="l">
-              <a:defRPr sz="2000" b="1"/>
+              <a:defRPr sz="1400" b="1"/>
             </a:lvl1pPr>
           </a:lstStyle>
           <a:p>
@@ -2698,8 +2331,8 @@
         </p:nvSpPr>
         <p:spPr>
           <a:xfrm>
-            <a:off x="1792288" y="612775"/>
-            <a:ext cx="5486400" cy="4114800"/>
+            <a:off x="1058570" y="482560"/>
+            <a:ext cx="3240405" cy="3240405"/>
           </a:xfrm>
         </p:spPr>
         <p:txBody>
@@ -2707,46 +2340,42 @@
           <a:lstStyle>
             <a:lvl1pPr marL="0" indent="0">
               <a:buNone/>
-              <a:defRPr sz="3200"/>
+              <a:defRPr sz="2200"/>
             </a:lvl1pPr>
-            <a:lvl2pPr marL="457200" indent="0">
-              <a:buNone/>
-              <a:defRPr sz="2800"/>
+            <a:lvl2pPr marL="308610" indent="0">
+              <a:buNone/>
+              <a:defRPr sz="1900"/>
             </a:lvl2pPr>
-            <a:lvl3pPr marL="914400" indent="0">
-              <a:buNone/>
-              <a:defRPr sz="2400"/>
+            <a:lvl3pPr marL="617220" indent="0">
+              <a:buNone/>
+              <a:defRPr sz="1600"/>
             </a:lvl3pPr>
-            <a:lvl4pPr marL="1371600" indent="0">
-              <a:buNone/>
-              <a:defRPr sz="2000"/>
+            <a:lvl4pPr marL="925830" indent="0">
+              <a:buNone/>
+              <a:defRPr sz="1400"/>
             </a:lvl4pPr>
-            <a:lvl5pPr marL="1828800" indent="0">
-              <a:buNone/>
-              <a:defRPr sz="2000"/>
+            <a:lvl5pPr marL="1234440" indent="0">
+              <a:buNone/>
+              <a:defRPr sz="1400"/>
             </a:lvl5pPr>
-            <a:lvl6pPr marL="2286000" indent="0">
-              <a:buNone/>
-              <a:defRPr sz="2000"/>
+            <a:lvl6pPr marL="1543050" indent="0">
+              <a:buNone/>
+              <a:defRPr sz="1400"/>
             </a:lvl6pPr>
-            <a:lvl7pPr marL="2743200" indent="0">
-              <a:buNone/>
-              <a:defRPr sz="2000"/>
+            <a:lvl7pPr marL="1851660" indent="0">
+              <a:buNone/>
+              <a:defRPr sz="1400"/>
             </a:lvl7pPr>
-            <a:lvl8pPr marL="3200400" indent="0">
-              <a:buNone/>
-              <a:defRPr sz="2000"/>
+            <a:lvl8pPr marL="2160270" indent="0">
+              <a:buNone/>
+              <a:defRPr sz="1400"/>
             </a:lvl8pPr>
-            <a:lvl9pPr marL="3657600" indent="0">
-              <a:buNone/>
-              <a:defRPr sz="2000"/>
+            <a:lvl9pPr marL="2468880" indent="0">
+              <a:buNone/>
+              <a:defRPr sz="1400"/>
             </a:lvl9pPr>
           </a:lstStyle>
           <a:p>
-            <a:r>
-              <a:rPr lang="ko-KR" altLang="en-US" smtClean="0"/>
-              <a:t>그림을 추가하려면 아이콘을 클릭하십시오</a:t>
-            </a:r>
             <a:endParaRPr lang="ko-KR" altLang="en-US"/>
           </a:p>
         </p:txBody>
@@ -2763,8 +2392,8 @@
         </p:nvSpPr>
         <p:spPr>
           <a:xfrm>
-            <a:off x="1792288" y="5367338"/>
-            <a:ext cx="5486400" cy="804862"/>
+            <a:off x="1058570" y="4226779"/>
+            <a:ext cx="3240405" cy="633829"/>
           </a:xfrm>
         </p:spPr>
         <p:txBody>
@@ -2772,39 +2401,39 @@
           <a:lstStyle>
             <a:lvl1pPr marL="0" indent="0">
               <a:buNone/>
-              <a:defRPr sz="1400"/>
+              <a:defRPr sz="900"/>
             </a:lvl1pPr>
-            <a:lvl2pPr marL="457200" indent="0">
-              <a:buNone/>
-              <a:defRPr sz="1200"/>
+            <a:lvl2pPr marL="308610" indent="0">
+              <a:buNone/>
+              <a:defRPr sz="800"/>
             </a:lvl2pPr>
-            <a:lvl3pPr marL="914400" indent="0">
-              <a:buNone/>
-              <a:defRPr sz="1000"/>
+            <a:lvl3pPr marL="617220" indent="0">
+              <a:buNone/>
+              <a:defRPr sz="700"/>
             </a:lvl3pPr>
-            <a:lvl4pPr marL="1371600" indent="0">
-              <a:buNone/>
-              <a:defRPr sz="900"/>
+            <a:lvl4pPr marL="925830" indent="0">
+              <a:buNone/>
+              <a:defRPr sz="600"/>
             </a:lvl4pPr>
-            <a:lvl5pPr marL="1828800" indent="0">
-              <a:buNone/>
-              <a:defRPr sz="900"/>
+            <a:lvl5pPr marL="1234440" indent="0">
+              <a:buNone/>
+              <a:defRPr sz="600"/>
             </a:lvl5pPr>
-            <a:lvl6pPr marL="2286000" indent="0">
-              <a:buNone/>
-              <a:defRPr sz="900"/>
+            <a:lvl6pPr marL="1543050" indent="0">
+              <a:buNone/>
+              <a:defRPr sz="600"/>
             </a:lvl6pPr>
-            <a:lvl7pPr marL="2743200" indent="0">
-              <a:buNone/>
-              <a:defRPr sz="900"/>
+            <a:lvl7pPr marL="1851660" indent="0">
+              <a:buNone/>
+              <a:defRPr sz="600"/>
             </a:lvl7pPr>
-            <a:lvl8pPr marL="3200400" indent="0">
-              <a:buNone/>
-              <a:defRPr sz="900"/>
+            <a:lvl8pPr marL="2160270" indent="0">
+              <a:buNone/>
+              <a:defRPr sz="600"/>
             </a:lvl8pPr>
-            <a:lvl9pPr marL="3657600" indent="0">
-              <a:buNone/>
-              <a:defRPr sz="900"/>
+            <a:lvl9pPr marL="2468880" indent="0">
+              <a:buNone/>
+              <a:defRPr sz="600"/>
             </a:lvl9pPr>
           </a:lstStyle>
           <a:p>
@@ -2831,10 +2460,9 @@
           <a:bodyPr/>
           <a:lstStyle/>
           <a:p>
-            <a:fld id="{FB30EDBD-1C2D-4C1E-B459-B60219FAB484}" type="datetimeFigureOut">
-              <a:rPr lang="ko-KR" altLang="en-US" smtClean="0"/>
-              <a:pPr/>
-              <a:t>2023-03-30</a:t>
+            <a:fld id="{89186D38-20D0-4047-91E9-BA3304A2875A}" type="datetimeFigureOut">
+              <a:rPr lang="ko-KR" altLang="en-US" smtClean="0"/>
+              <a:t>2023-03-31</a:t>
             </a:fld>
             <a:endParaRPr lang="ko-KR" altLang="en-US"/>
           </a:p>
@@ -2874,9 +2502,8 @@
           <a:bodyPr/>
           <a:lstStyle/>
           <a:p>
-            <a:fld id="{4BEDD84E-25D4-4983-8AA1-2863C96F08D9}" type="slidenum">
-              <a:rPr lang="ko-KR" altLang="en-US" smtClean="0"/>
-              <a:pPr/>
+            <a:fld id="{B334C302-97CA-4FB7-BEA1-9F629782F6F8}" type="slidenum">
+              <a:rPr lang="ko-KR" altLang="en-US" smtClean="0"/>
               <a:t>‹#›</a:t>
             </a:fld>
             <a:endParaRPr lang="ko-KR" altLang="en-US"/>
@@ -2925,24 +2552,24 @@
         </p:nvSpPr>
         <p:spPr>
           <a:xfrm>
-            <a:off x="457200" y="274638"/>
-            <a:ext cx="8229600" cy="1143000"/>
+            <a:off x="270034" y="216277"/>
+            <a:ext cx="4860608" cy="900113"/>
           </a:xfrm>
           <a:prstGeom prst="rect">
             <a:avLst/>
           </a:prstGeom>
         </p:spPr>
         <p:txBody>
-          <a:bodyPr vert="horz" lIns="91440" tIns="45720" rIns="91440" bIns="45720" rtlCol="0" anchor="ctr">
+          <a:bodyPr vert="horz" lIns="61722" tIns="30861" rIns="61722" bIns="30861" rtlCol="0" anchor="ctr">
             <a:normAutofit/>
           </a:bodyPr>
           <a:lstStyle/>
           <a:p>
             <a:r>
-              <a:rPr lang="ko-KR" altLang="en-US" dirty="0" smtClean="0"/>
+              <a:rPr lang="ko-KR" altLang="en-US" smtClean="0"/>
               <a:t>마스터 제목 스타일 편집</a:t>
             </a:r>
-            <a:endParaRPr lang="ko-KR" altLang="en-US" dirty="0"/>
+            <a:endParaRPr lang="ko-KR" altLang="en-US"/>
           </a:p>
         </p:txBody>
       </p:sp>
@@ -2958,53 +2585,53 @@
         </p:nvSpPr>
         <p:spPr>
           <a:xfrm>
-            <a:off x="457200" y="1600200"/>
-            <a:ext cx="8229600" cy="4525963"/>
+            <a:off x="270034" y="1260158"/>
+            <a:ext cx="4860608" cy="3564196"/>
           </a:xfrm>
           <a:prstGeom prst="rect">
             <a:avLst/>
           </a:prstGeom>
         </p:spPr>
         <p:txBody>
-          <a:bodyPr vert="horz" lIns="91440" tIns="45720" rIns="91440" bIns="45720" rtlCol="0">
+          <a:bodyPr vert="horz" lIns="61722" tIns="30861" rIns="61722" bIns="30861" rtlCol="0">
             <a:normAutofit/>
           </a:bodyPr>
           <a:lstStyle/>
           <a:p>
             <a:pPr lvl="0"/>
             <a:r>
-              <a:rPr lang="ko-KR" altLang="en-US" dirty="0" smtClean="0"/>
+              <a:rPr lang="ko-KR" altLang="en-US" smtClean="0"/>
               <a:t>마스터 텍스트 스타일을 편집합니다</a:t>
             </a:r>
           </a:p>
           <a:p>
             <a:pPr lvl="1"/>
             <a:r>
-              <a:rPr lang="ko-KR" altLang="en-US" dirty="0" smtClean="0"/>
+              <a:rPr lang="ko-KR" altLang="en-US" smtClean="0"/>
               <a:t>둘째 수준</a:t>
             </a:r>
           </a:p>
           <a:p>
             <a:pPr lvl="2"/>
             <a:r>
-              <a:rPr lang="ko-KR" altLang="en-US" dirty="0" smtClean="0"/>
+              <a:rPr lang="ko-KR" altLang="en-US" smtClean="0"/>
               <a:t>셋째 수준</a:t>
             </a:r>
           </a:p>
           <a:p>
             <a:pPr lvl="3"/>
             <a:r>
-              <a:rPr lang="ko-KR" altLang="en-US" dirty="0" smtClean="0"/>
+              <a:rPr lang="ko-KR" altLang="en-US" smtClean="0"/>
               <a:t>넷째 수준</a:t>
             </a:r>
           </a:p>
           <a:p>
             <a:pPr lvl="4"/>
             <a:r>
-              <a:rPr lang="ko-KR" altLang="en-US" dirty="0" smtClean="0"/>
+              <a:rPr lang="ko-KR" altLang="en-US" smtClean="0"/>
               <a:t>다섯째 수준</a:t>
             </a:r>
-            <a:endParaRPr lang="ko-KR" altLang="en-US" dirty="0"/>
+            <a:endParaRPr lang="ko-KR" altLang="en-US"/>
           </a:p>
         </p:txBody>
       </p:sp>
@@ -3020,18 +2647,18 @@
         </p:nvSpPr>
         <p:spPr>
           <a:xfrm>
-            <a:off x="457200" y="6356350"/>
-            <a:ext cx="2133600" cy="365125"/>
+            <a:off x="270034" y="5005626"/>
+            <a:ext cx="1260158" cy="287536"/>
           </a:xfrm>
           <a:prstGeom prst="rect">
             <a:avLst/>
           </a:prstGeom>
         </p:spPr>
         <p:txBody>
-          <a:bodyPr vert="horz" lIns="91440" tIns="45720" rIns="91440" bIns="45720" rtlCol="0" anchor="ctr"/>
+          <a:bodyPr vert="horz" lIns="61722" tIns="30861" rIns="61722" bIns="30861" rtlCol="0" anchor="ctr"/>
           <a:lstStyle>
             <a:lvl1pPr algn="l">
-              <a:defRPr sz="1200">
+              <a:defRPr sz="800">
                 <a:solidFill>
                   <a:schemeClr val="tx1">
                     <a:tint val="75000"/>
@@ -3041,10 +2668,9 @@
             </a:lvl1pPr>
           </a:lstStyle>
           <a:p>
-            <a:fld id="{FB30EDBD-1C2D-4C1E-B459-B60219FAB484}" type="datetimeFigureOut">
-              <a:rPr lang="ko-KR" altLang="en-US" smtClean="0"/>
-              <a:pPr/>
-              <a:t>2023-03-30</a:t>
+            <a:fld id="{89186D38-20D0-4047-91E9-BA3304A2875A}" type="datetimeFigureOut">
+              <a:rPr lang="ko-KR" altLang="en-US" smtClean="0"/>
+              <a:t>2023-03-31</a:t>
             </a:fld>
             <a:endParaRPr lang="ko-KR" altLang="en-US"/>
           </a:p>
@@ -3062,18 +2688,18 @@
         </p:nvSpPr>
         <p:spPr>
           <a:xfrm>
-            <a:off x="3124200" y="6356350"/>
-            <a:ext cx="2895600" cy="365125"/>
+            <a:off x="1845231" y="5005626"/>
+            <a:ext cx="1710214" cy="287536"/>
           </a:xfrm>
           <a:prstGeom prst="rect">
             <a:avLst/>
           </a:prstGeom>
         </p:spPr>
         <p:txBody>
-          <a:bodyPr vert="horz" lIns="91440" tIns="45720" rIns="91440" bIns="45720" rtlCol="0" anchor="ctr"/>
+          <a:bodyPr vert="horz" lIns="61722" tIns="30861" rIns="61722" bIns="30861" rtlCol="0" anchor="ctr"/>
           <a:lstStyle>
             <a:lvl1pPr algn="ctr">
-              <a:defRPr sz="1200">
+              <a:defRPr sz="800">
                 <a:solidFill>
                   <a:schemeClr val="tx1">
                     <a:tint val="75000"/>
@@ -3099,18 +2725,18 @@
         </p:nvSpPr>
         <p:spPr>
           <a:xfrm>
-            <a:off x="6553200" y="6356350"/>
-            <a:ext cx="2133600" cy="365125"/>
+            <a:off x="3870484" y="5005626"/>
+            <a:ext cx="1260158" cy="287536"/>
           </a:xfrm>
           <a:prstGeom prst="rect">
             <a:avLst/>
           </a:prstGeom>
         </p:spPr>
         <p:txBody>
-          <a:bodyPr vert="horz" lIns="91440" tIns="45720" rIns="91440" bIns="45720" rtlCol="0" anchor="ctr"/>
+          <a:bodyPr vert="horz" lIns="61722" tIns="30861" rIns="61722" bIns="30861" rtlCol="0" anchor="ctr"/>
           <a:lstStyle>
             <a:lvl1pPr algn="r">
-              <a:defRPr sz="1200">
+              <a:defRPr sz="800">
                 <a:solidFill>
                   <a:schemeClr val="tx1">
                     <a:tint val="75000"/>
@@ -3120,63 +2746,38 @@
             </a:lvl1pPr>
           </a:lstStyle>
           <a:p>
-            <a:fld id="{4BEDD84E-25D4-4983-8AA1-2863C96F08D9}" type="slidenum">
-              <a:rPr lang="ko-KR" altLang="en-US" smtClean="0"/>
-              <a:pPr/>
+            <a:fld id="{B334C302-97CA-4FB7-BEA1-9F629782F6F8}" type="slidenum">
+              <a:rPr lang="ko-KR" altLang="en-US" smtClean="0"/>
               <a:t>‹#›</a:t>
             </a:fld>
             <a:endParaRPr lang="ko-KR" altLang="en-US"/>
           </a:p>
         </p:txBody>
       </p:sp>
-      <p:pic>
-        <p:nvPicPr>
-          <p:cNvPr id="7" name="그림 6" descr="headerpic.png"/>
-          <p:cNvPicPr>
-            <a:picLocks noChangeAspect="1"/>
-          </p:cNvPicPr>
-          <p:nvPr/>
-        </p:nvPicPr>
-        <p:blipFill>
-          <a:blip r:embed="rId13" cstate="print"/>
-          <a:stretch>
-            <a:fillRect/>
-          </a:stretch>
-        </p:blipFill>
-        <p:spPr>
-          <a:xfrm>
-            <a:off x="6588224" y="36000"/>
-            <a:ext cx="2520003" cy="252000"/>
-          </a:xfrm>
-          <a:prstGeom prst="rect">
-            <a:avLst/>
-          </a:prstGeom>
-        </p:spPr>
-      </p:pic>
     </p:spTree>
   </p:cSld>
   <p:clrMap bg1="lt1" tx1="dk1" bg2="lt2" tx2="dk2" accent1="accent1" accent2="accent2" accent3="accent3" accent4="accent4" accent5="accent5" accent6="accent6" hlink="hlink" folHlink="folHlink"/>
   <p:sldLayoutIdLst>
-    <p:sldLayoutId id="2147483661" r:id="rId1"/>
-    <p:sldLayoutId id="2147483662" r:id="rId2"/>
-    <p:sldLayoutId id="2147483663" r:id="rId3"/>
-    <p:sldLayoutId id="2147483664" r:id="rId4"/>
-    <p:sldLayoutId id="2147483665" r:id="rId5"/>
-    <p:sldLayoutId id="2147483666" r:id="rId6"/>
-    <p:sldLayoutId id="2147483667" r:id="rId7"/>
-    <p:sldLayoutId id="2147483668" r:id="rId8"/>
-    <p:sldLayoutId id="2147483669" r:id="rId9"/>
-    <p:sldLayoutId id="2147483670" r:id="rId10"/>
-    <p:sldLayoutId id="2147483671" r:id="rId11"/>
+    <p:sldLayoutId id="2147483649" r:id="rId1"/>
+    <p:sldLayoutId id="2147483650" r:id="rId2"/>
+    <p:sldLayoutId id="2147483651" r:id="rId3"/>
+    <p:sldLayoutId id="2147483652" r:id="rId4"/>
+    <p:sldLayoutId id="2147483653" r:id="rId5"/>
+    <p:sldLayoutId id="2147483654" r:id="rId6"/>
+    <p:sldLayoutId id="2147483655" r:id="rId7"/>
+    <p:sldLayoutId id="2147483656" r:id="rId8"/>
+    <p:sldLayoutId id="2147483657" r:id="rId9"/>
+    <p:sldLayoutId id="2147483658" r:id="rId10"/>
+    <p:sldLayoutId id="2147483659" r:id="rId11"/>
   </p:sldLayoutIdLst>
   <p:txStyles>
     <p:titleStyle>
-      <a:lvl1pPr algn="ctr" defTabSz="914400" rtl="0" eaLnBrk="1" latinLnBrk="1" hangingPunct="1">
+      <a:lvl1pPr algn="ctr" defTabSz="617220" rtl="0" eaLnBrk="1" latinLnBrk="1" hangingPunct="1">
         <a:spcBef>
           <a:spcPct val="0"/>
         </a:spcBef>
         <a:buNone/>
-        <a:defRPr sz="4400" kern="1200">
+        <a:defRPr sz="3000" kern="1200">
           <a:solidFill>
             <a:schemeClr val="tx1"/>
           </a:solidFill>
@@ -3187,13 +2788,13 @@
       </a:lvl1pPr>
     </p:titleStyle>
     <p:bodyStyle>
-      <a:lvl1pPr marL="342900" indent="-342900" algn="l" defTabSz="914400" rtl="0" eaLnBrk="1" latinLnBrk="1" hangingPunct="1">
+      <a:lvl1pPr marL="231458" indent="-231458" algn="l" defTabSz="617220" rtl="0" eaLnBrk="1" latinLnBrk="1" hangingPunct="1">
         <a:spcBef>
           <a:spcPct val="20000"/>
         </a:spcBef>
         <a:buFont typeface="Arial" pitchFamily="34" charset="0"/>
         <a:buChar char="•"/>
-        <a:defRPr sz="3200" kern="1200">
+        <a:defRPr sz="2200" kern="1200">
           <a:solidFill>
             <a:schemeClr val="tx1"/>
           </a:solidFill>
@@ -3202,13 +2803,13 @@
           <a:cs typeface="+mn-cs"/>
         </a:defRPr>
       </a:lvl1pPr>
-      <a:lvl2pPr marL="742950" indent="-285750" algn="l" defTabSz="914400" rtl="0" eaLnBrk="1" latinLnBrk="1" hangingPunct="1">
+      <a:lvl2pPr marL="501491" indent="-192881" algn="l" defTabSz="617220" rtl="0" eaLnBrk="1" latinLnBrk="1" hangingPunct="1">
         <a:spcBef>
           <a:spcPct val="20000"/>
         </a:spcBef>
         <a:buFont typeface="Arial" pitchFamily="34" charset="0"/>
         <a:buChar char="–"/>
-        <a:defRPr sz="2800" kern="1200">
+        <a:defRPr sz="1900" kern="1200">
           <a:solidFill>
             <a:schemeClr val="tx1"/>
           </a:solidFill>
@@ -3217,13 +2818,13 @@
           <a:cs typeface="+mn-cs"/>
         </a:defRPr>
       </a:lvl2pPr>
-      <a:lvl3pPr marL="1143000" indent="-228600" algn="l" defTabSz="914400" rtl="0" eaLnBrk="1" latinLnBrk="1" hangingPunct="1">
+      <a:lvl3pPr marL="771525" indent="-154305" algn="l" defTabSz="617220" rtl="0" eaLnBrk="1" latinLnBrk="1" hangingPunct="1">
         <a:spcBef>
           <a:spcPct val="20000"/>
         </a:spcBef>
         <a:buFont typeface="Arial" pitchFamily="34" charset="0"/>
         <a:buChar char="•"/>
-        <a:defRPr sz="2400" kern="1200">
+        <a:defRPr sz="1600" kern="1200">
           <a:solidFill>
             <a:schemeClr val="tx1"/>
           </a:solidFill>
@@ -3232,13 +2833,13 @@
           <a:cs typeface="+mn-cs"/>
         </a:defRPr>
       </a:lvl3pPr>
-      <a:lvl4pPr marL="1600200" indent="-228600" algn="l" defTabSz="914400" rtl="0" eaLnBrk="1" latinLnBrk="1" hangingPunct="1">
+      <a:lvl4pPr marL="1080135" indent="-154305" algn="l" defTabSz="617220" rtl="0" eaLnBrk="1" latinLnBrk="1" hangingPunct="1">
         <a:spcBef>
           <a:spcPct val="20000"/>
         </a:spcBef>
         <a:buFont typeface="Arial" pitchFamily="34" charset="0"/>
         <a:buChar char="–"/>
-        <a:defRPr sz="2000" kern="1200">
+        <a:defRPr sz="1400" kern="1200">
           <a:solidFill>
             <a:schemeClr val="tx1"/>
           </a:solidFill>
@@ -3247,13 +2848,13 @@
           <a:cs typeface="+mn-cs"/>
         </a:defRPr>
       </a:lvl4pPr>
-      <a:lvl5pPr marL="2057400" indent="-228600" algn="l" defTabSz="914400" rtl="0" eaLnBrk="1" latinLnBrk="1" hangingPunct="1">
+      <a:lvl5pPr marL="1388745" indent="-154305" algn="l" defTabSz="617220" rtl="0" eaLnBrk="1" latinLnBrk="1" hangingPunct="1">
         <a:spcBef>
           <a:spcPct val="20000"/>
         </a:spcBef>
         <a:buFont typeface="Arial" pitchFamily="34" charset="0"/>
         <a:buChar char="»"/>
-        <a:defRPr sz="2000" kern="1200">
+        <a:defRPr sz="1400" kern="1200">
           <a:solidFill>
             <a:schemeClr val="tx1"/>
           </a:solidFill>
@@ -3262,13 +2863,13 @@
           <a:cs typeface="+mn-cs"/>
         </a:defRPr>
       </a:lvl5pPr>
-      <a:lvl6pPr marL="2514600" indent="-228600" algn="l" defTabSz="914400" rtl="0" eaLnBrk="1" latinLnBrk="1" hangingPunct="1">
+      <a:lvl6pPr marL="1697355" indent="-154305" algn="l" defTabSz="617220" rtl="0" eaLnBrk="1" latinLnBrk="1" hangingPunct="1">
         <a:spcBef>
           <a:spcPct val="20000"/>
         </a:spcBef>
         <a:buFont typeface="Arial" pitchFamily="34" charset="0"/>
         <a:buChar char="•"/>
-        <a:defRPr sz="2000" kern="1200">
+        <a:defRPr sz="1400" kern="1200">
           <a:solidFill>
             <a:schemeClr val="tx1"/>
           </a:solidFill>
@@ -3277,13 +2878,13 @@
           <a:cs typeface="+mn-cs"/>
         </a:defRPr>
       </a:lvl6pPr>
-      <a:lvl7pPr marL="2971800" indent="-228600" algn="l" defTabSz="914400" rtl="0" eaLnBrk="1" latinLnBrk="1" hangingPunct="1">
+      <a:lvl7pPr marL="2005965" indent="-154305" algn="l" defTabSz="617220" rtl="0" eaLnBrk="1" latinLnBrk="1" hangingPunct="1">
         <a:spcBef>
           <a:spcPct val="20000"/>
         </a:spcBef>
         <a:buFont typeface="Arial" pitchFamily="34" charset="0"/>
         <a:buChar char="•"/>
-        <a:defRPr sz="2000" kern="1200">
+        <a:defRPr sz="1400" kern="1200">
           <a:solidFill>
             <a:schemeClr val="tx1"/>
           </a:solidFill>
@@ -3292,13 +2893,13 @@
           <a:cs typeface="+mn-cs"/>
         </a:defRPr>
       </a:lvl7pPr>
-      <a:lvl8pPr marL="3429000" indent="-228600" algn="l" defTabSz="914400" rtl="0" eaLnBrk="1" latinLnBrk="1" hangingPunct="1">
+      <a:lvl8pPr marL="2314575" indent="-154305" algn="l" defTabSz="617220" rtl="0" eaLnBrk="1" latinLnBrk="1" hangingPunct="1">
         <a:spcBef>
           <a:spcPct val="20000"/>
         </a:spcBef>
         <a:buFont typeface="Arial" pitchFamily="34" charset="0"/>
         <a:buChar char="•"/>
-        <a:defRPr sz="2000" kern="1200">
+        <a:defRPr sz="1400" kern="1200">
           <a:solidFill>
             <a:schemeClr val="tx1"/>
           </a:solidFill>
@@ -3307,13 +2908,13 @@
           <a:cs typeface="+mn-cs"/>
         </a:defRPr>
       </a:lvl8pPr>
-      <a:lvl9pPr marL="3886200" indent="-228600" algn="l" defTabSz="914400" rtl="0" eaLnBrk="1" latinLnBrk="1" hangingPunct="1">
+      <a:lvl9pPr marL="2623185" indent="-154305" algn="l" defTabSz="617220" rtl="0" eaLnBrk="1" latinLnBrk="1" hangingPunct="1">
         <a:spcBef>
           <a:spcPct val="20000"/>
         </a:spcBef>
         <a:buFont typeface="Arial" pitchFamily="34" charset="0"/>
         <a:buChar char="•"/>
-        <a:defRPr sz="2000" kern="1200">
+        <a:defRPr sz="1400" kern="1200">
           <a:solidFill>
             <a:schemeClr val="tx1"/>
           </a:solidFill>
@@ -3327,8 +2928,8 @@
       <a:defPPr>
         <a:defRPr lang="ko-KR"/>
       </a:defPPr>
-      <a:lvl1pPr marL="0" algn="l" defTabSz="914400" rtl="0" eaLnBrk="1" latinLnBrk="1" hangingPunct="1">
-        <a:defRPr sz="1800" kern="1200">
+      <a:lvl1pPr marL="0" algn="l" defTabSz="617220" rtl="0" eaLnBrk="1" latinLnBrk="1" hangingPunct="1">
+        <a:defRPr sz="1200" kern="1200">
           <a:solidFill>
             <a:schemeClr val="tx1"/>
           </a:solidFill>
@@ -3337,8 +2938,8 @@
           <a:cs typeface="+mn-cs"/>
         </a:defRPr>
       </a:lvl1pPr>
-      <a:lvl2pPr marL="457200" algn="l" defTabSz="914400" rtl="0" eaLnBrk="1" latinLnBrk="1" hangingPunct="1">
-        <a:defRPr sz="1800" kern="1200">
+      <a:lvl2pPr marL="308610" algn="l" defTabSz="617220" rtl="0" eaLnBrk="1" latinLnBrk="1" hangingPunct="1">
+        <a:defRPr sz="1200" kern="1200">
           <a:solidFill>
             <a:schemeClr val="tx1"/>
           </a:solidFill>
@@ -3347,8 +2948,8 @@
           <a:cs typeface="+mn-cs"/>
         </a:defRPr>
       </a:lvl2pPr>
-      <a:lvl3pPr marL="914400" algn="l" defTabSz="914400" rtl="0" eaLnBrk="1" latinLnBrk="1" hangingPunct="1">
-        <a:defRPr sz="1800" kern="1200">
+      <a:lvl3pPr marL="617220" algn="l" defTabSz="617220" rtl="0" eaLnBrk="1" latinLnBrk="1" hangingPunct="1">
+        <a:defRPr sz="1200" kern="1200">
           <a:solidFill>
             <a:schemeClr val="tx1"/>
           </a:solidFill>
@@ -3357,8 +2958,8 @@
           <a:cs typeface="+mn-cs"/>
         </a:defRPr>
       </a:lvl3pPr>
-      <a:lvl4pPr marL="1371600" algn="l" defTabSz="914400" rtl="0" eaLnBrk="1" latinLnBrk="1" hangingPunct="1">
-        <a:defRPr sz="1800" kern="1200">
+      <a:lvl4pPr marL="925830" algn="l" defTabSz="617220" rtl="0" eaLnBrk="1" latinLnBrk="1" hangingPunct="1">
+        <a:defRPr sz="1200" kern="1200">
           <a:solidFill>
             <a:schemeClr val="tx1"/>
           </a:solidFill>
@@ -3367,8 +2968,8 @@
           <a:cs typeface="+mn-cs"/>
         </a:defRPr>
       </a:lvl4pPr>
-      <a:lvl5pPr marL="1828800" algn="l" defTabSz="914400" rtl="0" eaLnBrk="1" latinLnBrk="1" hangingPunct="1">
-        <a:defRPr sz="1800" kern="1200">
+      <a:lvl5pPr marL="1234440" algn="l" defTabSz="617220" rtl="0" eaLnBrk="1" latinLnBrk="1" hangingPunct="1">
+        <a:defRPr sz="1200" kern="1200">
           <a:solidFill>
             <a:schemeClr val="tx1"/>
           </a:solidFill>
@@ -3377,8 +2978,8 @@
           <a:cs typeface="+mn-cs"/>
         </a:defRPr>
       </a:lvl5pPr>
-      <a:lvl6pPr marL="2286000" algn="l" defTabSz="914400" rtl="0" eaLnBrk="1" latinLnBrk="1" hangingPunct="1">
-        <a:defRPr sz="1800" kern="1200">
+      <a:lvl6pPr marL="1543050" algn="l" defTabSz="617220" rtl="0" eaLnBrk="1" latinLnBrk="1" hangingPunct="1">
+        <a:defRPr sz="1200" kern="1200">
           <a:solidFill>
             <a:schemeClr val="tx1"/>
           </a:solidFill>
@@ -3387,8 +2988,8 @@
           <a:cs typeface="+mn-cs"/>
         </a:defRPr>
       </a:lvl6pPr>
-      <a:lvl7pPr marL="2743200" algn="l" defTabSz="914400" rtl="0" eaLnBrk="1" latinLnBrk="1" hangingPunct="1">
-        <a:defRPr sz="1800" kern="1200">
+      <a:lvl7pPr marL="1851660" algn="l" defTabSz="617220" rtl="0" eaLnBrk="1" latinLnBrk="1" hangingPunct="1">
+        <a:defRPr sz="1200" kern="1200">
           <a:solidFill>
             <a:schemeClr val="tx1"/>
           </a:solidFill>
@@ -3397,8 +2998,8 @@
           <a:cs typeface="+mn-cs"/>
         </a:defRPr>
       </a:lvl7pPr>
-      <a:lvl8pPr marL="3200400" algn="l" defTabSz="914400" rtl="0" eaLnBrk="1" latinLnBrk="1" hangingPunct="1">
-        <a:defRPr sz="1800" kern="1200">
+      <a:lvl8pPr marL="2160270" algn="l" defTabSz="617220" rtl="0" eaLnBrk="1" latinLnBrk="1" hangingPunct="1">
+        <a:defRPr sz="1200" kern="1200">
           <a:solidFill>
             <a:schemeClr val="tx1"/>
           </a:solidFill>
@@ -3407,8 +3008,8 @@
           <a:cs typeface="+mn-cs"/>
         </a:defRPr>
       </a:lvl8pPr>
-      <a:lvl9pPr marL="3657600" algn="l" defTabSz="914400" rtl="0" eaLnBrk="1" latinLnBrk="1" hangingPunct="1">
-        <a:defRPr sz="1800" kern="1200">
+      <a:lvl9pPr marL="2468880" algn="l" defTabSz="617220" rtl="0" eaLnBrk="1" latinLnBrk="1" hangingPunct="1">
+        <a:defRPr sz="1200" kern="1200">
           <a:solidFill>
             <a:schemeClr val="tx1"/>
           </a:solidFill>
@@ -3439,197 +3040,9 @@
           <a:chExt cx="0" cy="0"/>
         </a:xfrm>
       </p:grpSpPr>
-      <p:pic>
-        <p:nvPicPr>
-          <p:cNvPr id="1027" name="Picture 3"/>
-          <p:cNvPicPr>
-            <a:picLocks noChangeAspect="1" noChangeArrowheads="1"/>
-          </p:cNvPicPr>
-          <p:nvPr/>
-        </p:nvPicPr>
-        <p:blipFill>
-          <a:blip r:embed="rId2" cstate="print">
-            <a:clrChange>
-              <a:clrFrom>
-                <a:srgbClr val="FFFFFF"/>
-              </a:clrFrom>
-              <a:clrTo>
-                <a:srgbClr val="FFFFFF">
-                  <a:alpha val="0"/>
-                </a:srgbClr>
-              </a:clrTo>
-            </a:clrChange>
-            <a:duotone>
-              <a:schemeClr val="accent6">
-                <a:shade val="45000"/>
-                <a:satMod val="135000"/>
-              </a:schemeClr>
-              <a:prstClr val="white"/>
-            </a:duotone>
-          </a:blip>
-          <a:srcRect/>
-          <a:stretch>
-            <a:fillRect/>
-          </a:stretch>
-        </p:blipFill>
-        <p:spPr bwMode="auto">
-          <a:xfrm>
-            <a:off x="2474484" y="691827"/>
-            <a:ext cx="4852271" cy="4788000"/>
-          </a:xfrm>
-          <a:prstGeom prst="rect">
-            <a:avLst/>
-          </a:prstGeom>
-          <a:noFill/>
-          <a:ln w="9525">
-            <a:noFill/>
-            <a:miter lim="800000"/>
-            <a:headEnd/>
-            <a:tailEnd/>
-          </a:ln>
-        </p:spPr>
-      </p:pic>
-      <p:sp>
-        <p:nvSpPr>
-          <p:cNvPr id="15" name="직사각형 14"/>
-          <p:cNvSpPr/>
-          <p:nvPr/>
-        </p:nvSpPr>
-        <p:spPr>
-          <a:xfrm>
-            <a:off x="0" y="332656"/>
-            <a:ext cx="9144000" cy="6525344"/>
-          </a:xfrm>
-          <a:prstGeom prst="rect">
-            <a:avLst/>
-          </a:prstGeom>
-          <a:solidFill>
-            <a:schemeClr val="accent2">
-              <a:lumMod val="20000"/>
-              <a:lumOff val="80000"/>
-            </a:schemeClr>
-          </a:solidFill>
-          <a:ln>
-            <a:noFill/>
-          </a:ln>
-        </p:spPr>
-        <p:style>
-          <a:lnRef idx="2">
-            <a:schemeClr val="accent1">
-              <a:shade val="50000"/>
-            </a:schemeClr>
-          </a:lnRef>
-          <a:fillRef idx="1">
-            <a:schemeClr val="accent1"/>
-          </a:fillRef>
-          <a:effectRef idx="0">
-            <a:schemeClr val="accent1"/>
-          </a:effectRef>
-          <a:fontRef idx="minor">
-            <a:schemeClr val="lt1"/>
-          </a:fontRef>
-        </p:style>
-        <p:txBody>
-          <a:bodyPr rtlCol="0" anchor="ctr"/>
-          <a:lstStyle/>
-          <a:p>
-            <a:pPr algn="ctr"/>
-            <a:endParaRPr lang="ko-KR" altLang="en-US"/>
-          </a:p>
-        </p:txBody>
-      </p:sp>
-      <p:pic>
-        <p:nvPicPr>
-          <p:cNvPr id="1029" name="Picture 5"/>
-          <p:cNvPicPr>
-            <a:picLocks noChangeAspect="1" noChangeArrowheads="1"/>
-          </p:cNvPicPr>
-          <p:nvPr/>
-        </p:nvPicPr>
-        <p:blipFill>
-          <a:blip r:embed="rId3" cstate="print"/>
-          <a:srcRect/>
-          <a:stretch>
-            <a:fillRect/>
-          </a:stretch>
-        </p:blipFill>
-        <p:spPr bwMode="auto">
-          <a:xfrm>
-            <a:off x="1763688" y="836712"/>
-            <a:ext cx="5400000" cy="5400000"/>
-          </a:xfrm>
-          <a:prstGeom prst="rect">
-            <a:avLst/>
-          </a:prstGeom>
-          <a:noFill/>
-          <a:ln w="9525">
-            <a:solidFill>
-              <a:schemeClr val="tx1"/>
-            </a:solidFill>
-            <a:miter lim="800000"/>
-            <a:headEnd/>
-            <a:tailEnd/>
-          </a:ln>
-        </p:spPr>
-      </p:pic>
-      <p:sp>
-        <p:nvSpPr>
-          <p:cNvPr id="3" name="TextBox 2"/>
-          <p:cNvSpPr txBox="1"/>
-          <p:nvPr/>
-        </p:nvSpPr>
-        <p:spPr>
-          <a:xfrm>
-            <a:off x="0" y="0"/>
-            <a:ext cx="9144000" cy="369332"/>
-          </a:xfrm>
-          <a:prstGeom prst="rect">
-            <a:avLst/>
-          </a:prstGeom>
-          <a:gradFill>
-            <a:gsLst>
-              <a:gs pos="0">
-                <a:schemeClr val="tx1"/>
-              </a:gs>
-              <a:gs pos="50000">
-                <a:schemeClr val="tx1">
-                  <a:alpha val="30000"/>
-                </a:schemeClr>
-              </a:gs>
-              <a:gs pos="100000">
-                <a:schemeClr val="tx1">
-                  <a:alpha val="0"/>
-                </a:schemeClr>
-              </a:gs>
-            </a:gsLst>
-            <a:lin ang="0" scaled="0"/>
-          </a:gradFill>
-        </p:spPr>
-        <p:txBody>
-          <a:bodyPr wrap="square" rtlCol="0">
-            <a:spAutoFit/>
-          </a:bodyPr>
-          <a:lstStyle/>
-          <a:p>
-            <a:r>
-              <a:rPr lang="en-US" altLang="ko-KR" smtClean="0">
-                <a:solidFill>
-                  <a:schemeClr val="bg1"/>
-                </a:solidFill>
-              </a:rPr>
-              <a:t>Check</a:t>
-            </a:r>
-            <a:endParaRPr lang="ko-KR" altLang="en-US">
-              <a:solidFill>
-                <a:schemeClr val="bg1"/>
-              </a:solidFill>
-            </a:endParaRPr>
-          </a:p>
-        </p:txBody>
-      </p:sp>
       <p:grpSp>
         <p:nvGrpSpPr>
-          <p:cNvPr id="14" name="그룹 13"/>
+          <p:cNvPr id="11" name="그룹 10"/>
           <p:cNvGrpSpPr>
             <a:grpSpLocks noChangeAspect="1"/>
           </p:cNvGrpSpPr>
@@ -3637,22 +3050,22 @@
         </p:nvGrpSpPr>
         <p:grpSpPr>
           <a:xfrm>
-            <a:off x="4312410" y="2102837"/>
-            <a:ext cx="1622644" cy="2160000"/>
-            <a:chOff x="2339752" y="-120821"/>
-            <a:chExt cx="5730083" cy="7627662"/>
+            <a:off x="0" y="-141883"/>
+            <a:ext cx="5563069" cy="5544885"/>
+            <a:chOff x="1763688" y="691827"/>
+            <a:chExt cx="5563069" cy="5544885"/>
           </a:xfrm>
         </p:grpSpPr>
         <p:pic>
           <p:nvPicPr>
-            <p:cNvPr id="1030" name="Picture 6"/>
+            <p:cNvPr id="4" name="Picture 3"/>
             <p:cNvPicPr>
               <a:picLocks noChangeAspect="1" noChangeArrowheads="1"/>
             </p:cNvPicPr>
             <p:nvPr/>
           </p:nvPicPr>
           <p:blipFill>
-            <a:blip r:embed="rId4" cstate="print">
+            <a:blip r:embed="rId2" cstate="print">
               <a:clrChange>
                 <a:clrFrom>
                   <a:srgbClr val="FFFFFF"/>
@@ -3678,8 +3091,8 @@
           </p:blipFill>
           <p:spPr bwMode="auto">
             <a:xfrm>
-              <a:off x="6926835" y="129115"/>
-              <a:ext cx="1143000" cy="762000"/>
+              <a:off x="2474485" y="691827"/>
+              <a:ext cx="4852272" cy="4788000"/>
             </a:xfrm>
             <a:prstGeom prst="rect">
               <a:avLst/>
@@ -3695,32 +3108,14 @@
         </p:pic>
         <p:pic>
           <p:nvPicPr>
-            <p:cNvPr id="1031" name="Picture 7"/>
+            <p:cNvPr id="5" name="Picture 5"/>
             <p:cNvPicPr>
               <a:picLocks noChangeAspect="1" noChangeArrowheads="1"/>
             </p:cNvPicPr>
             <p:nvPr/>
           </p:nvPicPr>
           <p:blipFill>
-            <a:blip r:embed="rId5" cstate="print">
-              <a:clrChange>
-                <a:clrFrom>
-                  <a:srgbClr val="FFFFFF"/>
-                </a:clrFrom>
-                <a:clrTo>
-                  <a:srgbClr val="FFFFFF">
-                    <a:alpha val="0"/>
-                  </a:srgbClr>
-                </a:clrTo>
-              </a:clrChange>
-              <a:duotone>
-                <a:schemeClr val="accent6">
-                  <a:shade val="45000"/>
-                  <a:satMod val="135000"/>
-                </a:schemeClr>
-                <a:prstClr val="white"/>
-              </a:duotone>
-            </a:blip>
+            <a:blip r:embed="rId3" cstate="print"/>
             <a:srcRect/>
             <a:stretch>
               <a:fillRect/>
@@ -3728,121 +3123,240 @@
           </p:blipFill>
           <p:spPr bwMode="auto">
             <a:xfrm>
-              <a:off x="2903911" y="-120821"/>
-              <a:ext cx="4953000" cy="1219200"/>
+              <a:off x="1763688" y="836712"/>
+              <a:ext cx="5400000" cy="5400000"/>
             </a:xfrm>
             <a:prstGeom prst="rect">
               <a:avLst/>
             </a:prstGeom>
             <a:noFill/>
             <a:ln w="9525">
-              <a:noFill/>
+              <a:solidFill>
+                <a:schemeClr val="tx1"/>
+              </a:solidFill>
               <a:miter lim="800000"/>
               <a:headEnd/>
               <a:tailEnd/>
             </a:ln>
           </p:spPr>
         </p:pic>
-        <p:pic>
-          <p:nvPicPr>
-            <p:cNvPr id="1033" name="Picture 9"/>
-            <p:cNvPicPr>
-              <a:picLocks noChangeAspect="1" noChangeArrowheads="1"/>
-            </p:cNvPicPr>
+        <p:grpSp>
+          <p:nvGrpSpPr>
+            <p:cNvPr id="6" name="그룹 5"/>
+            <p:cNvGrpSpPr>
+              <a:grpSpLocks noChangeAspect="1"/>
+            </p:cNvGrpSpPr>
             <p:nvPr/>
-          </p:nvPicPr>
-          <p:blipFill>
-            <a:blip r:embed="rId6" cstate="print">
-              <a:clrChange>
-                <a:clrFrom>
-                  <a:srgbClr val="FFFFFF"/>
-                </a:clrFrom>
-                <a:clrTo>
-                  <a:srgbClr val="FFFFFF">
-                    <a:alpha val="0"/>
-                  </a:srgbClr>
-                </a:clrTo>
-              </a:clrChange>
-              <a:duotone>
-                <a:schemeClr val="accent6">
-                  <a:shade val="45000"/>
-                  <a:satMod val="135000"/>
-                </a:schemeClr>
-                <a:prstClr val="white"/>
-              </a:duotone>
-            </a:blip>
-            <a:srcRect/>
-            <a:stretch>
-              <a:fillRect/>
-            </a:stretch>
-          </p:blipFill>
-          <p:spPr bwMode="auto">
+          </p:nvGrpSpPr>
+          <p:grpSpPr>
             <a:xfrm>
-              <a:off x="2339752" y="3573016"/>
-              <a:ext cx="2105025" cy="3933825"/>
+              <a:off x="4312410" y="2102837"/>
+              <a:ext cx="1622644" cy="2160000"/>
+              <a:chOff x="2339752" y="-120821"/>
+              <a:chExt cx="5730083" cy="7627662"/>
             </a:xfrm>
-            <a:prstGeom prst="rect">
-              <a:avLst/>
-            </a:prstGeom>
-            <a:noFill/>
-            <a:ln w="9525">
+          </p:grpSpPr>
+          <p:pic>
+            <p:nvPicPr>
+              <p:cNvPr id="7" name="Picture 6"/>
+              <p:cNvPicPr>
+                <a:picLocks noChangeAspect="1" noChangeArrowheads="1"/>
+              </p:cNvPicPr>
+              <p:nvPr/>
+            </p:nvPicPr>
+            <p:blipFill>
+              <a:blip r:embed="rId4" cstate="print">
+                <a:clrChange>
+                  <a:clrFrom>
+                    <a:srgbClr val="FFFFFF"/>
+                  </a:clrFrom>
+                  <a:clrTo>
+                    <a:srgbClr val="FFFFFF">
+                      <a:alpha val="0"/>
+                    </a:srgbClr>
+                  </a:clrTo>
+                </a:clrChange>
+                <a:duotone>
+                  <a:schemeClr val="accent6">
+                    <a:shade val="45000"/>
+                    <a:satMod val="135000"/>
+                  </a:schemeClr>
+                  <a:prstClr val="white"/>
+                </a:duotone>
+              </a:blip>
+              <a:srcRect/>
+              <a:stretch>
+                <a:fillRect/>
+              </a:stretch>
+            </p:blipFill>
+            <p:spPr bwMode="auto">
+              <a:xfrm>
+                <a:off x="6926835" y="129115"/>
+                <a:ext cx="1143000" cy="762000"/>
+              </a:xfrm>
+              <a:prstGeom prst="rect">
+                <a:avLst/>
+              </a:prstGeom>
               <a:noFill/>
-              <a:miter lim="800000"/>
-              <a:headEnd/>
-              <a:tailEnd/>
-            </a:ln>
-          </p:spPr>
-        </p:pic>
-        <p:pic>
-          <p:nvPicPr>
-            <p:cNvPr id="1032" name="Picture 8"/>
-            <p:cNvPicPr>
-              <a:picLocks noChangeAspect="1" noChangeArrowheads="1"/>
-            </p:cNvPicPr>
-            <p:nvPr/>
-          </p:nvPicPr>
-          <p:blipFill>
-            <a:blip r:embed="rId7" cstate="print">
-              <a:clrChange>
-                <a:clrFrom>
-                  <a:srgbClr val="FFFFFF"/>
-                </a:clrFrom>
-                <a:clrTo>
-                  <a:srgbClr val="FFFFFF">
-                    <a:alpha val="0"/>
-                  </a:srgbClr>
-                </a:clrTo>
-              </a:clrChange>
-              <a:duotone>
-                <a:schemeClr val="accent6">
-                  <a:shade val="45000"/>
-                  <a:satMod val="135000"/>
-                </a:schemeClr>
-                <a:prstClr val="white"/>
-              </a:duotone>
-            </a:blip>
-            <a:srcRect/>
-            <a:stretch>
-              <a:fillRect/>
-            </a:stretch>
-          </p:blipFill>
-          <p:spPr bwMode="auto">
-            <a:xfrm>
-              <a:off x="2798945" y="-101773"/>
-              <a:ext cx="1314450" cy="5248275"/>
-            </a:xfrm>
-            <a:prstGeom prst="rect">
-              <a:avLst/>
-            </a:prstGeom>
-            <a:noFill/>
-            <a:ln w="9525">
+              <a:ln w="9525">
+                <a:noFill/>
+                <a:miter lim="800000"/>
+                <a:headEnd/>
+                <a:tailEnd/>
+              </a:ln>
+            </p:spPr>
+          </p:pic>
+          <p:pic>
+            <p:nvPicPr>
+              <p:cNvPr id="8" name="Picture 7"/>
+              <p:cNvPicPr>
+                <a:picLocks noChangeAspect="1" noChangeArrowheads="1"/>
+              </p:cNvPicPr>
+              <p:nvPr/>
+            </p:nvPicPr>
+            <p:blipFill>
+              <a:blip r:embed="rId5" cstate="print">
+                <a:clrChange>
+                  <a:clrFrom>
+                    <a:srgbClr val="FFFFFF"/>
+                  </a:clrFrom>
+                  <a:clrTo>
+                    <a:srgbClr val="FFFFFF">
+                      <a:alpha val="0"/>
+                    </a:srgbClr>
+                  </a:clrTo>
+                </a:clrChange>
+                <a:duotone>
+                  <a:schemeClr val="accent6">
+                    <a:shade val="45000"/>
+                    <a:satMod val="135000"/>
+                  </a:schemeClr>
+                  <a:prstClr val="white"/>
+                </a:duotone>
+              </a:blip>
+              <a:srcRect/>
+              <a:stretch>
+                <a:fillRect/>
+              </a:stretch>
+            </p:blipFill>
+            <p:spPr bwMode="auto">
+              <a:xfrm>
+                <a:off x="2903911" y="-120821"/>
+                <a:ext cx="4953000" cy="1219200"/>
+              </a:xfrm>
+              <a:prstGeom prst="rect">
+                <a:avLst/>
+              </a:prstGeom>
               <a:noFill/>
-              <a:miter lim="800000"/>
-              <a:headEnd/>
-              <a:tailEnd/>
-            </a:ln>
-          </p:spPr>
-        </p:pic>
+              <a:ln w="9525">
+                <a:noFill/>
+                <a:miter lim="800000"/>
+                <a:headEnd/>
+                <a:tailEnd/>
+              </a:ln>
+            </p:spPr>
+          </p:pic>
+          <p:pic>
+            <p:nvPicPr>
+              <p:cNvPr id="9" name="Picture 9"/>
+              <p:cNvPicPr>
+                <a:picLocks noChangeAspect="1" noChangeArrowheads="1"/>
+              </p:cNvPicPr>
+              <p:nvPr/>
+            </p:nvPicPr>
+            <p:blipFill>
+              <a:blip r:embed="rId6" cstate="print">
+                <a:clrChange>
+                  <a:clrFrom>
+                    <a:srgbClr val="FFFFFF"/>
+                  </a:clrFrom>
+                  <a:clrTo>
+                    <a:srgbClr val="FFFFFF">
+                      <a:alpha val="0"/>
+                    </a:srgbClr>
+                  </a:clrTo>
+                </a:clrChange>
+                <a:duotone>
+                  <a:schemeClr val="accent6">
+                    <a:shade val="45000"/>
+                    <a:satMod val="135000"/>
+                  </a:schemeClr>
+                  <a:prstClr val="white"/>
+                </a:duotone>
+              </a:blip>
+              <a:srcRect/>
+              <a:stretch>
+                <a:fillRect/>
+              </a:stretch>
+            </p:blipFill>
+            <p:spPr bwMode="auto">
+              <a:xfrm>
+                <a:off x="2339752" y="3573016"/>
+                <a:ext cx="2105025" cy="3933825"/>
+              </a:xfrm>
+              <a:prstGeom prst="rect">
+                <a:avLst/>
+              </a:prstGeom>
+              <a:noFill/>
+              <a:ln w="9525">
+                <a:noFill/>
+                <a:miter lim="800000"/>
+                <a:headEnd/>
+                <a:tailEnd/>
+              </a:ln>
+            </p:spPr>
+          </p:pic>
+          <p:pic>
+            <p:nvPicPr>
+              <p:cNvPr id="10" name="Picture 8"/>
+              <p:cNvPicPr>
+                <a:picLocks noChangeAspect="1" noChangeArrowheads="1"/>
+              </p:cNvPicPr>
+              <p:nvPr/>
+            </p:nvPicPr>
+            <p:blipFill>
+              <a:blip r:embed="rId7" cstate="print">
+                <a:clrChange>
+                  <a:clrFrom>
+                    <a:srgbClr val="FFFFFF"/>
+                  </a:clrFrom>
+                  <a:clrTo>
+                    <a:srgbClr val="FFFFFF">
+                      <a:alpha val="0"/>
+                    </a:srgbClr>
+                  </a:clrTo>
+                </a:clrChange>
+                <a:duotone>
+                  <a:schemeClr val="accent6">
+                    <a:shade val="45000"/>
+                    <a:satMod val="135000"/>
+                  </a:schemeClr>
+                  <a:prstClr val="white"/>
+                </a:duotone>
+              </a:blip>
+              <a:srcRect/>
+              <a:stretch>
+                <a:fillRect/>
+              </a:stretch>
+            </p:blipFill>
+            <p:spPr bwMode="auto">
+              <a:xfrm>
+                <a:off x="2798945" y="-101773"/>
+                <a:ext cx="1314450" cy="5248275"/>
+              </a:xfrm>
+              <a:prstGeom prst="rect">
+                <a:avLst/>
+              </a:prstGeom>
+              <a:noFill/>
+              <a:ln w="9525">
+                <a:noFill/>
+                <a:miter lim="800000"/>
+                <a:headEnd/>
+                <a:tailEnd/>
+              </a:ln>
+            </p:spPr>
+          </p:pic>
+        </p:grpSp>
       </p:grpSp>
     </p:spTree>
   </p:cSld>
@@ -3853,231 +3367,6 @@
 </file>
 
 <file path=ppt/theme/theme1.xml><?xml version="1.0" encoding="utf-8"?>
-<a:theme xmlns:a="http://schemas.openxmlformats.org/drawingml/2006/main" name="DymaxionKim_PPTX">
-  <a:themeElements>
-    <a:clrScheme name="Office">
-      <a:dk1>
-        <a:sysClr val="windowText" lastClr="000000"/>
-      </a:dk1>
-      <a:lt1>
-        <a:sysClr val="window" lastClr="FFFFFF"/>
-      </a:lt1>
-      <a:dk2>
-        <a:srgbClr val="1F497D"/>
-      </a:dk2>
-      <a:lt2>
-        <a:srgbClr val="EEECE1"/>
-      </a:lt2>
-      <a:accent1>
-        <a:srgbClr val="4F81BD"/>
-      </a:accent1>
-      <a:accent2>
-        <a:srgbClr val="C0504D"/>
-      </a:accent2>
-      <a:accent3>
-        <a:srgbClr val="9BBB59"/>
-      </a:accent3>
-      <a:accent4>
-        <a:srgbClr val="8064A2"/>
-      </a:accent4>
-      <a:accent5>
-        <a:srgbClr val="4BACC6"/>
-      </a:accent5>
-      <a:accent6>
-        <a:srgbClr val="F79646"/>
-      </a:accent6>
-      <a:hlink>
-        <a:srgbClr val="0000FF"/>
-      </a:hlink>
-      <a:folHlink>
-        <a:srgbClr val="800080"/>
-      </a:folHlink>
-    </a:clrScheme>
-    <a:fontScheme name="DymaxionKim_PPT">
-      <a:majorFont>
-        <a:latin typeface="Noto Sans CJK KR Regular"/>
-        <a:ea typeface="Noto Sans CJK KR Regular"/>
-        <a:cs typeface=""/>
-      </a:majorFont>
-      <a:minorFont>
-        <a:latin typeface="Noto Sans CJK KR Regular"/>
-        <a:ea typeface="Noto Sans CJK KR Regular"/>
-        <a:cs typeface=""/>
-      </a:minorFont>
-    </a:fontScheme>
-    <a:fmtScheme name="Office">
-      <a:fillStyleLst>
-        <a:solidFill>
-          <a:schemeClr val="phClr"/>
-        </a:solidFill>
-        <a:gradFill rotWithShape="1">
-          <a:gsLst>
-            <a:gs pos="0">
-              <a:schemeClr val="phClr">
-                <a:tint val="50000"/>
-                <a:satMod val="300000"/>
-              </a:schemeClr>
-            </a:gs>
-            <a:gs pos="35000">
-              <a:schemeClr val="phClr">
-                <a:tint val="37000"/>
-                <a:satMod val="300000"/>
-              </a:schemeClr>
-            </a:gs>
-            <a:gs pos="100000">
-              <a:schemeClr val="phClr">
-                <a:tint val="15000"/>
-                <a:satMod val="350000"/>
-              </a:schemeClr>
-            </a:gs>
-          </a:gsLst>
-          <a:lin ang="16200000" scaled="1"/>
-        </a:gradFill>
-        <a:gradFill rotWithShape="1">
-          <a:gsLst>
-            <a:gs pos="0">
-              <a:schemeClr val="phClr">
-                <a:shade val="51000"/>
-                <a:satMod val="130000"/>
-              </a:schemeClr>
-            </a:gs>
-            <a:gs pos="80000">
-              <a:schemeClr val="phClr">
-                <a:shade val="93000"/>
-                <a:satMod val="130000"/>
-              </a:schemeClr>
-            </a:gs>
-            <a:gs pos="100000">
-              <a:schemeClr val="phClr">
-                <a:shade val="94000"/>
-                <a:satMod val="135000"/>
-              </a:schemeClr>
-            </a:gs>
-          </a:gsLst>
-          <a:lin ang="16200000" scaled="0"/>
-        </a:gradFill>
-      </a:fillStyleLst>
-      <a:lnStyleLst>
-        <a:ln w="9525" cap="flat" cmpd="sng" algn="ctr">
-          <a:solidFill>
-            <a:schemeClr val="phClr">
-              <a:shade val="95000"/>
-              <a:satMod val="105000"/>
-            </a:schemeClr>
-          </a:solidFill>
-          <a:prstDash val="solid"/>
-        </a:ln>
-        <a:ln w="25400" cap="flat" cmpd="sng" algn="ctr">
-          <a:solidFill>
-            <a:schemeClr val="phClr"/>
-          </a:solidFill>
-          <a:prstDash val="solid"/>
-        </a:ln>
-        <a:ln w="38100" cap="flat" cmpd="sng" algn="ctr">
-          <a:solidFill>
-            <a:schemeClr val="phClr"/>
-          </a:solidFill>
-          <a:prstDash val="solid"/>
-        </a:ln>
-      </a:lnStyleLst>
-      <a:effectStyleLst>
-        <a:effectStyle>
-          <a:effectLst>
-            <a:outerShdw blurRad="40000" dist="20000" dir="5400000" rotWithShape="0">
-              <a:srgbClr val="000000">
-                <a:alpha val="38000"/>
-              </a:srgbClr>
-            </a:outerShdw>
-          </a:effectLst>
-        </a:effectStyle>
-        <a:effectStyle>
-          <a:effectLst>
-            <a:outerShdw blurRad="40000" dist="23000" dir="5400000" rotWithShape="0">
-              <a:srgbClr val="000000">
-                <a:alpha val="35000"/>
-              </a:srgbClr>
-            </a:outerShdw>
-          </a:effectLst>
-        </a:effectStyle>
-        <a:effectStyle>
-          <a:effectLst>
-            <a:outerShdw blurRad="40000" dist="23000" dir="5400000" rotWithShape="0">
-              <a:srgbClr val="000000">
-                <a:alpha val="35000"/>
-              </a:srgbClr>
-            </a:outerShdw>
-          </a:effectLst>
-          <a:scene3d>
-            <a:camera prst="orthographicFront">
-              <a:rot lat="0" lon="0" rev="0"/>
-            </a:camera>
-            <a:lightRig rig="threePt" dir="t">
-              <a:rot lat="0" lon="0" rev="1200000"/>
-            </a:lightRig>
-          </a:scene3d>
-          <a:sp3d>
-            <a:bevelT w="63500" h="25400"/>
-          </a:sp3d>
-        </a:effectStyle>
-      </a:effectStyleLst>
-      <a:bgFillStyleLst>
-        <a:solidFill>
-          <a:schemeClr val="phClr"/>
-        </a:solidFill>
-        <a:gradFill rotWithShape="1">
-          <a:gsLst>
-            <a:gs pos="0">
-              <a:schemeClr val="phClr">
-                <a:tint val="40000"/>
-                <a:satMod val="350000"/>
-              </a:schemeClr>
-            </a:gs>
-            <a:gs pos="40000">
-              <a:schemeClr val="phClr">
-                <a:tint val="45000"/>
-                <a:shade val="99000"/>
-                <a:satMod val="350000"/>
-              </a:schemeClr>
-            </a:gs>
-            <a:gs pos="100000">
-              <a:schemeClr val="phClr">
-                <a:shade val="20000"/>
-                <a:satMod val="255000"/>
-              </a:schemeClr>
-            </a:gs>
-          </a:gsLst>
-          <a:path path="circle">
-            <a:fillToRect l="50000" t="-80000" r="50000" b="180000"/>
-          </a:path>
-        </a:gradFill>
-        <a:gradFill rotWithShape="1">
-          <a:gsLst>
-            <a:gs pos="0">
-              <a:schemeClr val="phClr">
-                <a:tint val="80000"/>
-                <a:satMod val="300000"/>
-              </a:schemeClr>
-            </a:gs>
-            <a:gs pos="100000">
-              <a:schemeClr val="phClr">
-                <a:shade val="30000"/>
-                <a:satMod val="200000"/>
-              </a:schemeClr>
-            </a:gs>
-          </a:gsLst>
-          <a:path path="circle">
-            <a:fillToRect l="50000" t="50000" r="50000" b="50000"/>
-          </a:path>
-        </a:gradFill>
-      </a:bgFillStyleLst>
-    </a:fmtScheme>
-  </a:themeElements>
-  <a:objectDefaults/>
-  <a:extraClrSchemeLst/>
-</a:theme>
-</file>
-
-<file path=ppt/theme/theme2.xml><?xml version="1.0" encoding="utf-8"?>
 <a:theme xmlns:a="http://schemas.openxmlformats.org/drawingml/2006/main" name="Office 테마">
   <a:themeElements>
     <a:clrScheme name="Office">
